--- a/利用ログの形式.pptx
+++ b/利用ログの形式.pptx
@@ -4,6 +4,9 @@
   <p:sldMasterIdLst>
     <p:sldMasterId id="2147483648" r:id="rId1"/>
   </p:sldMasterIdLst>
+  <p:notesMasterIdLst>
+    <p:notesMasterId r:id="rId8"/>
+  </p:notesMasterIdLst>
   <p:sldIdLst>
     <p:sldId id="256" r:id="rId2"/>
     <p:sldId id="257" r:id="rId3"/>
@@ -111,10 +114,476 @@
   </p:defaultTextStyle>
   <p:extLst>
     <p:ext uri="{EFAFB233-063F-42B5-8137-9DF3F51BA10A}">
-      <p15:sldGuideLst xmlns:p15="http://schemas.microsoft.com/office/powerpoint/2012/main"/>
+      <p15:sldGuideLst xmlns:p15="http://schemas.microsoft.com/office/powerpoint/2012/main" xmlns=""/>
     </p:ext>
   </p:extLst>
 </p:presentation>
+</file>
+
+<file path=ppt/notesMasters/notesMaster1.xml><?xml version="1.0" encoding="utf-8"?>
+<p:notesMaster xmlns:a="http://schemas.openxmlformats.org/drawingml/2006/main" xmlns:r="http://schemas.openxmlformats.org/officeDocument/2006/relationships" xmlns:p="http://schemas.openxmlformats.org/presentationml/2006/main">
+  <p:cSld>
+    <p:bg>
+      <p:bgRef idx="1001">
+        <a:schemeClr val="bg1"/>
+      </p:bgRef>
+    </p:bg>
+    <p:spTree>
+      <p:nvGrpSpPr>
+        <p:cNvPr id="1" name=""/>
+        <p:cNvGrpSpPr/>
+        <p:nvPr/>
+      </p:nvGrpSpPr>
+      <p:grpSpPr>
+        <a:xfrm>
+          <a:off x="0" y="0"/>
+          <a:ext cx="0" cy="0"/>
+          <a:chOff x="0" y="0"/>
+          <a:chExt cx="0" cy="0"/>
+        </a:xfrm>
+      </p:grpSpPr>
+      <p:sp>
+        <p:nvSpPr>
+          <p:cNvPr id="2" name="ヘッダー プレースホルダー 1"/>
+          <p:cNvSpPr>
+            <a:spLocks noGrp="1"/>
+          </p:cNvSpPr>
+          <p:nvPr>
+            <p:ph type="hdr" sz="quarter"/>
+          </p:nvPr>
+        </p:nvSpPr>
+        <p:spPr>
+          <a:xfrm>
+            <a:off x="0" y="0"/>
+            <a:ext cx="2971800" cy="457200"/>
+          </a:xfrm>
+          <a:prstGeom prst="rect">
+            <a:avLst/>
+          </a:prstGeom>
+        </p:spPr>
+        <p:txBody>
+          <a:bodyPr vert="horz" lIns="91440" tIns="45720" rIns="91440" bIns="45720" rtlCol="0"/>
+          <a:lstStyle>
+            <a:lvl1pPr algn="l">
+              <a:defRPr sz="1200"/>
+            </a:lvl1pPr>
+          </a:lstStyle>
+          <a:p>
+            <a:endParaRPr kumimoji="1" lang="ja-JP" altLang="en-US"/>
+          </a:p>
+        </p:txBody>
+      </p:sp>
+      <p:sp>
+        <p:nvSpPr>
+          <p:cNvPr id="3" name="日付プレースホルダー 2"/>
+          <p:cNvSpPr>
+            <a:spLocks noGrp="1"/>
+          </p:cNvSpPr>
+          <p:nvPr>
+            <p:ph type="dt" idx="1"/>
+          </p:nvPr>
+        </p:nvSpPr>
+        <p:spPr>
+          <a:xfrm>
+            <a:off x="3884613" y="0"/>
+            <a:ext cx="2971800" cy="457200"/>
+          </a:xfrm>
+          <a:prstGeom prst="rect">
+            <a:avLst/>
+          </a:prstGeom>
+        </p:spPr>
+        <p:txBody>
+          <a:bodyPr vert="horz" lIns="91440" tIns="45720" rIns="91440" bIns="45720" rtlCol="0"/>
+          <a:lstStyle>
+            <a:lvl1pPr algn="r">
+              <a:defRPr sz="1200"/>
+            </a:lvl1pPr>
+          </a:lstStyle>
+          <a:p>
+            <a:fld id="{F364E872-068E-FF42-819D-F6AB146BF6BA}" type="datetimeFigureOut">
+              <a:rPr kumimoji="1" lang="ja-JP" altLang="en-US" smtClean="0"/>
+              <a:t>2014/11/27</a:t>
+            </a:fld>
+            <a:endParaRPr kumimoji="1" lang="ja-JP" altLang="en-US"/>
+          </a:p>
+        </p:txBody>
+      </p:sp>
+      <p:sp>
+        <p:nvSpPr>
+          <p:cNvPr id="4" name="スライド イメージ プレースホルダー 3"/>
+          <p:cNvSpPr>
+            <a:spLocks noGrp="1" noRot="1" noChangeAspect="1"/>
+          </p:cNvSpPr>
+          <p:nvPr>
+            <p:ph type="sldImg" idx="2"/>
+          </p:nvPr>
+        </p:nvSpPr>
+        <p:spPr>
+          <a:xfrm>
+            <a:off x="381000" y="685800"/>
+            <a:ext cx="6096000" cy="3429000"/>
+          </a:xfrm>
+          <a:prstGeom prst="rect">
+            <a:avLst/>
+          </a:prstGeom>
+          <a:noFill/>
+          <a:ln w="12700">
+            <a:solidFill>
+              <a:prstClr val="black"/>
+            </a:solidFill>
+          </a:ln>
+        </p:spPr>
+        <p:txBody>
+          <a:bodyPr vert="horz" lIns="91440" tIns="45720" rIns="91440" bIns="45720" rtlCol="0" anchor="ctr"/>
+          <a:lstStyle/>
+          <a:p>
+            <a:endParaRPr lang="ja-JP" altLang="en-US"/>
+          </a:p>
+        </p:txBody>
+      </p:sp>
+      <p:sp>
+        <p:nvSpPr>
+          <p:cNvPr id="5" name="ノート プレースホルダー 4"/>
+          <p:cNvSpPr>
+            <a:spLocks noGrp="1"/>
+          </p:cNvSpPr>
+          <p:nvPr>
+            <p:ph type="body" sz="quarter" idx="3"/>
+          </p:nvPr>
+        </p:nvSpPr>
+        <p:spPr>
+          <a:xfrm>
+            <a:off x="685800" y="4343400"/>
+            <a:ext cx="5486400" cy="4114800"/>
+          </a:xfrm>
+          <a:prstGeom prst="rect">
+            <a:avLst/>
+          </a:prstGeom>
+        </p:spPr>
+        <p:txBody>
+          <a:bodyPr vert="horz" lIns="91440" tIns="45720" rIns="91440" bIns="45720" rtlCol="0"/>
+          <a:lstStyle/>
+          <a:p>
+            <a:pPr lvl="0"/>
+            <a:r>
+              <a:rPr kumimoji="1" lang="ja-JP" altLang="en-US" smtClean="0"/>
+              <a:t>マスター テキストの書式設定</a:t>
+            </a:r>
+          </a:p>
+          <a:p>
+            <a:pPr lvl="1"/>
+            <a:r>
+              <a:rPr kumimoji="1" lang="ja-JP" altLang="en-US" smtClean="0"/>
+              <a:t>第 </a:t>
+            </a:r>
+            <a:r>
+              <a:rPr kumimoji="1" lang="en-US" altLang="ja-JP" smtClean="0"/>
+              <a:t>2 </a:t>
+            </a:r>
+            <a:r>
+              <a:rPr kumimoji="1" lang="ja-JP" altLang="en-US" smtClean="0"/>
+              <a:t>レベル</a:t>
+            </a:r>
+          </a:p>
+          <a:p>
+            <a:pPr lvl="2"/>
+            <a:r>
+              <a:rPr kumimoji="1" lang="ja-JP" altLang="en-US" smtClean="0"/>
+              <a:t>第 </a:t>
+            </a:r>
+            <a:r>
+              <a:rPr kumimoji="1" lang="en-US" altLang="ja-JP" smtClean="0"/>
+              <a:t>3 </a:t>
+            </a:r>
+            <a:r>
+              <a:rPr kumimoji="1" lang="ja-JP" altLang="en-US" smtClean="0"/>
+              <a:t>レベル</a:t>
+            </a:r>
+          </a:p>
+          <a:p>
+            <a:pPr lvl="3"/>
+            <a:r>
+              <a:rPr kumimoji="1" lang="ja-JP" altLang="en-US" smtClean="0"/>
+              <a:t>第 </a:t>
+            </a:r>
+            <a:r>
+              <a:rPr kumimoji="1" lang="en-US" altLang="ja-JP" smtClean="0"/>
+              <a:t>4 </a:t>
+            </a:r>
+            <a:r>
+              <a:rPr kumimoji="1" lang="ja-JP" altLang="en-US" smtClean="0"/>
+              <a:t>レベル</a:t>
+            </a:r>
+          </a:p>
+          <a:p>
+            <a:pPr lvl="4"/>
+            <a:r>
+              <a:rPr kumimoji="1" lang="ja-JP" altLang="en-US" smtClean="0"/>
+              <a:t>第 </a:t>
+            </a:r>
+            <a:r>
+              <a:rPr kumimoji="1" lang="en-US" altLang="ja-JP" smtClean="0"/>
+              <a:t>5 </a:t>
+            </a:r>
+            <a:r>
+              <a:rPr kumimoji="1" lang="ja-JP" altLang="en-US" smtClean="0"/>
+              <a:t>レベル</a:t>
+            </a:r>
+            <a:endParaRPr kumimoji="1" lang="ja-JP" altLang="en-US"/>
+          </a:p>
+        </p:txBody>
+      </p:sp>
+      <p:sp>
+        <p:nvSpPr>
+          <p:cNvPr id="6" name="フッター プレースホルダー 5"/>
+          <p:cNvSpPr>
+            <a:spLocks noGrp="1"/>
+          </p:cNvSpPr>
+          <p:nvPr>
+            <p:ph type="ftr" sz="quarter" idx="4"/>
+          </p:nvPr>
+        </p:nvSpPr>
+        <p:spPr>
+          <a:xfrm>
+            <a:off x="0" y="8685213"/>
+            <a:ext cx="2971800" cy="457200"/>
+          </a:xfrm>
+          <a:prstGeom prst="rect">
+            <a:avLst/>
+          </a:prstGeom>
+        </p:spPr>
+        <p:txBody>
+          <a:bodyPr vert="horz" lIns="91440" tIns="45720" rIns="91440" bIns="45720" rtlCol="0" anchor="b"/>
+          <a:lstStyle>
+            <a:lvl1pPr algn="l">
+              <a:defRPr sz="1200"/>
+            </a:lvl1pPr>
+          </a:lstStyle>
+          <a:p>
+            <a:endParaRPr kumimoji="1" lang="ja-JP" altLang="en-US"/>
+          </a:p>
+        </p:txBody>
+      </p:sp>
+      <p:sp>
+        <p:nvSpPr>
+          <p:cNvPr id="7" name="スライド番号プレースホルダー 6"/>
+          <p:cNvSpPr>
+            <a:spLocks noGrp="1"/>
+          </p:cNvSpPr>
+          <p:nvPr>
+            <p:ph type="sldNum" sz="quarter" idx="5"/>
+          </p:nvPr>
+        </p:nvSpPr>
+        <p:spPr>
+          <a:xfrm>
+            <a:off x="3884613" y="8685213"/>
+            <a:ext cx="2971800" cy="457200"/>
+          </a:xfrm>
+          <a:prstGeom prst="rect">
+            <a:avLst/>
+          </a:prstGeom>
+        </p:spPr>
+        <p:txBody>
+          <a:bodyPr vert="horz" lIns="91440" tIns="45720" rIns="91440" bIns="45720" rtlCol="0" anchor="b"/>
+          <a:lstStyle>
+            <a:lvl1pPr algn="r">
+              <a:defRPr sz="1200"/>
+            </a:lvl1pPr>
+          </a:lstStyle>
+          <a:p>
+            <a:fld id="{08D84696-C571-EB41-AD05-A778AFB0F38D}" type="slidenum">
+              <a:rPr kumimoji="1" lang="ja-JP" altLang="en-US" smtClean="0"/>
+              <a:t>‹#›</a:t>
+            </a:fld>
+            <a:endParaRPr kumimoji="1" lang="ja-JP" altLang="en-US"/>
+          </a:p>
+        </p:txBody>
+      </p:sp>
+    </p:spTree>
+    <p:extLst>
+      <p:ext uri="{BB962C8B-B14F-4D97-AF65-F5344CB8AC3E}">
+        <p14:creationId xmlns:p14="http://schemas.microsoft.com/office/powerpoint/2010/main" val="3510601014"/>
+      </p:ext>
+    </p:extLst>
+  </p:cSld>
+  <p:clrMap bg1="lt1" tx1="dk1" bg2="lt2" tx2="dk2" accent1="accent1" accent2="accent2" accent3="accent3" accent4="accent4" accent5="accent5" accent6="accent6" hlink="hlink" folHlink="folHlink"/>
+  <p:notesStyle>
+    <a:lvl1pPr marL="0" algn="l" defTabSz="457200" rtl="0" eaLnBrk="1" latinLnBrk="0" hangingPunct="1">
+      <a:defRPr kumimoji="1" sz="1200" kern="1200">
+        <a:solidFill>
+          <a:schemeClr val="tx1"/>
+        </a:solidFill>
+        <a:latin typeface="+mn-lt"/>
+        <a:ea typeface="+mn-ea"/>
+        <a:cs typeface="+mn-cs"/>
+      </a:defRPr>
+    </a:lvl1pPr>
+    <a:lvl2pPr marL="457200" algn="l" defTabSz="457200" rtl="0" eaLnBrk="1" latinLnBrk="0" hangingPunct="1">
+      <a:defRPr kumimoji="1" sz="1200" kern="1200">
+        <a:solidFill>
+          <a:schemeClr val="tx1"/>
+        </a:solidFill>
+        <a:latin typeface="+mn-lt"/>
+        <a:ea typeface="+mn-ea"/>
+        <a:cs typeface="+mn-cs"/>
+      </a:defRPr>
+    </a:lvl2pPr>
+    <a:lvl3pPr marL="914400" algn="l" defTabSz="457200" rtl="0" eaLnBrk="1" latinLnBrk="0" hangingPunct="1">
+      <a:defRPr kumimoji="1" sz="1200" kern="1200">
+        <a:solidFill>
+          <a:schemeClr val="tx1"/>
+        </a:solidFill>
+        <a:latin typeface="+mn-lt"/>
+        <a:ea typeface="+mn-ea"/>
+        <a:cs typeface="+mn-cs"/>
+      </a:defRPr>
+    </a:lvl3pPr>
+    <a:lvl4pPr marL="1371600" algn="l" defTabSz="457200" rtl="0" eaLnBrk="1" latinLnBrk="0" hangingPunct="1">
+      <a:defRPr kumimoji="1" sz="1200" kern="1200">
+        <a:solidFill>
+          <a:schemeClr val="tx1"/>
+        </a:solidFill>
+        <a:latin typeface="+mn-lt"/>
+        <a:ea typeface="+mn-ea"/>
+        <a:cs typeface="+mn-cs"/>
+      </a:defRPr>
+    </a:lvl4pPr>
+    <a:lvl5pPr marL="1828800" algn="l" defTabSz="457200" rtl="0" eaLnBrk="1" latinLnBrk="0" hangingPunct="1">
+      <a:defRPr kumimoji="1" sz="1200" kern="1200">
+        <a:solidFill>
+          <a:schemeClr val="tx1"/>
+        </a:solidFill>
+        <a:latin typeface="+mn-lt"/>
+        <a:ea typeface="+mn-ea"/>
+        <a:cs typeface="+mn-cs"/>
+      </a:defRPr>
+    </a:lvl5pPr>
+    <a:lvl6pPr marL="2286000" algn="l" defTabSz="457200" rtl="0" eaLnBrk="1" latinLnBrk="0" hangingPunct="1">
+      <a:defRPr kumimoji="1" sz="1200" kern="1200">
+        <a:solidFill>
+          <a:schemeClr val="tx1"/>
+        </a:solidFill>
+        <a:latin typeface="+mn-lt"/>
+        <a:ea typeface="+mn-ea"/>
+        <a:cs typeface="+mn-cs"/>
+      </a:defRPr>
+    </a:lvl6pPr>
+    <a:lvl7pPr marL="2743200" algn="l" defTabSz="457200" rtl="0" eaLnBrk="1" latinLnBrk="0" hangingPunct="1">
+      <a:defRPr kumimoji="1" sz="1200" kern="1200">
+        <a:solidFill>
+          <a:schemeClr val="tx1"/>
+        </a:solidFill>
+        <a:latin typeface="+mn-lt"/>
+        <a:ea typeface="+mn-ea"/>
+        <a:cs typeface="+mn-cs"/>
+      </a:defRPr>
+    </a:lvl7pPr>
+    <a:lvl8pPr marL="3200400" algn="l" defTabSz="457200" rtl="0" eaLnBrk="1" latinLnBrk="0" hangingPunct="1">
+      <a:defRPr kumimoji="1" sz="1200" kern="1200">
+        <a:solidFill>
+          <a:schemeClr val="tx1"/>
+        </a:solidFill>
+        <a:latin typeface="+mn-lt"/>
+        <a:ea typeface="+mn-ea"/>
+        <a:cs typeface="+mn-cs"/>
+      </a:defRPr>
+    </a:lvl8pPr>
+    <a:lvl9pPr marL="3657600" algn="l" defTabSz="457200" rtl="0" eaLnBrk="1" latinLnBrk="0" hangingPunct="1">
+      <a:defRPr kumimoji="1" sz="1200" kern="1200">
+        <a:solidFill>
+          <a:schemeClr val="tx1"/>
+        </a:solidFill>
+        <a:latin typeface="+mn-lt"/>
+        <a:ea typeface="+mn-ea"/>
+        <a:cs typeface="+mn-cs"/>
+      </a:defRPr>
+    </a:lvl9pPr>
+  </p:notesStyle>
+</p:notesMaster>
+</file>
+
+<file path=ppt/notesSlides/notesSlide1.xml><?xml version="1.0" encoding="utf-8"?>
+<p:notes xmlns:a="http://schemas.openxmlformats.org/drawingml/2006/main" xmlns:r="http://schemas.openxmlformats.org/officeDocument/2006/relationships" xmlns:p="http://schemas.openxmlformats.org/presentationml/2006/main">
+  <p:cSld>
+    <p:spTree>
+      <p:nvGrpSpPr>
+        <p:cNvPr id="1" name=""/>
+        <p:cNvGrpSpPr/>
+        <p:nvPr/>
+      </p:nvGrpSpPr>
+      <p:grpSpPr>
+        <a:xfrm>
+          <a:off x="0" y="0"/>
+          <a:ext cx="0" cy="0"/>
+          <a:chOff x="0" y="0"/>
+          <a:chExt cx="0" cy="0"/>
+        </a:xfrm>
+      </p:grpSpPr>
+      <p:sp>
+        <p:nvSpPr>
+          <p:cNvPr id="2" name="スライド イメージ プレースホルダー 1"/>
+          <p:cNvSpPr>
+            <a:spLocks noGrp="1" noRot="1" noChangeAspect="1"/>
+          </p:cNvSpPr>
+          <p:nvPr>
+            <p:ph type="sldImg"/>
+          </p:nvPr>
+        </p:nvSpPr>
+        <p:spPr/>
+      </p:sp>
+      <p:sp>
+        <p:nvSpPr>
+          <p:cNvPr id="3" name="ノート プレースホルダー 2"/>
+          <p:cNvSpPr>
+            <a:spLocks noGrp="1"/>
+          </p:cNvSpPr>
+          <p:nvPr>
+            <p:ph type="body" idx="1"/>
+          </p:nvPr>
+        </p:nvSpPr>
+        <p:spPr/>
+        <p:txBody>
+          <a:bodyPr/>
+          <a:lstStyle/>
+          <a:p>
+            <a:endParaRPr kumimoji="1" lang="ja-JP" altLang="en-US" dirty="0"/>
+          </a:p>
+        </p:txBody>
+      </p:sp>
+      <p:sp>
+        <p:nvSpPr>
+          <p:cNvPr id="4" name="スライド番号プレースホルダー 3"/>
+          <p:cNvSpPr>
+            <a:spLocks noGrp="1"/>
+          </p:cNvSpPr>
+          <p:nvPr>
+            <p:ph type="sldNum" sz="quarter" idx="10"/>
+          </p:nvPr>
+        </p:nvSpPr>
+        <p:spPr/>
+        <p:txBody>
+          <a:bodyPr/>
+          <a:lstStyle/>
+          <a:p>
+            <a:fld id="{08D84696-C571-EB41-AD05-A778AFB0F38D}" type="slidenum">
+              <a:rPr kumimoji="1" lang="ja-JP" altLang="en-US" smtClean="0"/>
+              <a:t>3</a:t>
+            </a:fld>
+            <a:endParaRPr kumimoji="1" lang="ja-JP" altLang="en-US"/>
+          </a:p>
+        </p:txBody>
+      </p:sp>
+    </p:spTree>
+    <p:extLst>
+      <p:ext uri="{BB962C8B-B14F-4D97-AF65-F5344CB8AC3E}">
+        <p14:creationId xmlns:p14="http://schemas.microsoft.com/office/powerpoint/2010/main" val="3769085396"/>
+      </p:ext>
+    </p:extLst>
+  </p:cSld>
+  <p:clrMapOvr>
+    <a:masterClrMapping/>
+  </p:clrMapOvr>
+</p:notes>
 </file>
 
 <file path=ppt/slideLayouts/slideLayout1.xml><?xml version="1.0" encoding="utf-8"?>
@@ -248,7 +717,7 @@
           <a:p>
             <a:fld id="{242480C7-324A-4E5A-B3B7-E08DE76861B1}" type="datetimeFigureOut">
               <a:rPr kumimoji="1" lang="ja-JP" altLang="en-US" smtClean="0"/>
-              <a:t>2014/11/26</a:t>
+              <a:t>2014/11/27</a:t>
             </a:fld>
             <a:endParaRPr kumimoji="1" lang="ja-JP" altLang="en-US"/>
           </a:p>
@@ -450,7 +919,7 @@
           <a:p>
             <a:fld id="{242480C7-324A-4E5A-B3B7-E08DE76861B1}" type="datetimeFigureOut">
               <a:rPr kumimoji="1" lang="ja-JP" altLang="en-US" smtClean="0"/>
-              <a:t>2014/11/26</a:t>
+              <a:t>2014/11/27</a:t>
             </a:fld>
             <a:endParaRPr kumimoji="1" lang="ja-JP" altLang="en-US"/>
           </a:p>
@@ -662,7 +1131,7 @@
           <a:p>
             <a:fld id="{242480C7-324A-4E5A-B3B7-E08DE76861B1}" type="datetimeFigureOut">
               <a:rPr kumimoji="1" lang="ja-JP" altLang="en-US" smtClean="0"/>
-              <a:t>2014/11/26</a:t>
+              <a:t>2014/11/27</a:t>
             </a:fld>
             <a:endParaRPr kumimoji="1" lang="ja-JP" altLang="en-US"/>
           </a:p>
@@ -864,7 +1333,7 @@
           <a:p>
             <a:fld id="{242480C7-324A-4E5A-B3B7-E08DE76861B1}" type="datetimeFigureOut">
               <a:rPr kumimoji="1" lang="ja-JP" altLang="en-US" smtClean="0"/>
-              <a:t>2014/11/26</a:t>
+              <a:t>2014/11/27</a:t>
             </a:fld>
             <a:endParaRPr kumimoji="1" lang="ja-JP" altLang="en-US"/>
           </a:p>
@@ -1110,7 +1579,7 @@
           <a:p>
             <a:fld id="{242480C7-324A-4E5A-B3B7-E08DE76861B1}" type="datetimeFigureOut">
               <a:rPr kumimoji="1" lang="ja-JP" altLang="en-US" smtClean="0"/>
-              <a:t>2014/11/26</a:t>
+              <a:t>2014/11/27</a:t>
             </a:fld>
             <a:endParaRPr kumimoji="1" lang="ja-JP" altLang="en-US"/>
           </a:p>
@@ -1406,7 +1875,7 @@
           <a:p>
             <a:fld id="{242480C7-324A-4E5A-B3B7-E08DE76861B1}" type="datetimeFigureOut">
               <a:rPr kumimoji="1" lang="ja-JP" altLang="en-US" smtClean="0"/>
-              <a:t>2014/11/26</a:t>
+              <a:t>2014/11/27</a:t>
             </a:fld>
             <a:endParaRPr kumimoji="1" lang="ja-JP" altLang="en-US"/>
           </a:p>
@@ -1837,7 +2306,7 @@
           <a:p>
             <a:fld id="{242480C7-324A-4E5A-B3B7-E08DE76861B1}" type="datetimeFigureOut">
               <a:rPr kumimoji="1" lang="ja-JP" altLang="en-US" smtClean="0"/>
-              <a:t>2014/11/26</a:t>
+              <a:t>2014/11/27</a:t>
             </a:fld>
             <a:endParaRPr kumimoji="1" lang="ja-JP" altLang="en-US"/>
           </a:p>
@@ -1955,7 +2424,7 @@
           <a:p>
             <a:fld id="{242480C7-324A-4E5A-B3B7-E08DE76861B1}" type="datetimeFigureOut">
               <a:rPr kumimoji="1" lang="ja-JP" altLang="en-US" smtClean="0"/>
-              <a:t>2014/11/26</a:t>
+              <a:t>2014/11/27</a:t>
             </a:fld>
             <a:endParaRPr kumimoji="1" lang="ja-JP" altLang="en-US"/>
           </a:p>
@@ -2050,7 +2519,7 @@
           <a:p>
             <a:fld id="{242480C7-324A-4E5A-B3B7-E08DE76861B1}" type="datetimeFigureOut">
               <a:rPr kumimoji="1" lang="ja-JP" altLang="en-US" smtClean="0"/>
-              <a:t>2014/11/26</a:t>
+              <a:t>2014/11/27</a:t>
             </a:fld>
             <a:endParaRPr kumimoji="1" lang="ja-JP" altLang="en-US"/>
           </a:p>
@@ -2359,7 +2828,7 @@
           <a:p>
             <a:fld id="{242480C7-324A-4E5A-B3B7-E08DE76861B1}" type="datetimeFigureOut">
               <a:rPr kumimoji="1" lang="ja-JP" altLang="en-US" smtClean="0"/>
-              <a:t>2014/11/26</a:t>
+              <a:t>2014/11/27</a:t>
             </a:fld>
             <a:endParaRPr kumimoji="1" lang="ja-JP" altLang="en-US"/>
           </a:p>
@@ -2612,7 +3081,7 @@
           <a:p>
             <a:fld id="{242480C7-324A-4E5A-B3B7-E08DE76861B1}" type="datetimeFigureOut">
               <a:rPr kumimoji="1" lang="ja-JP" altLang="en-US" smtClean="0"/>
-              <a:t>2014/11/26</a:t>
+              <a:t>2014/11/27</a:t>
             </a:fld>
             <a:endParaRPr kumimoji="1" lang="ja-JP" altLang="en-US"/>
           </a:p>
@@ -2857,7 +3326,7 @@
           <a:p>
             <a:fld id="{242480C7-324A-4E5A-B3B7-E08DE76861B1}" type="datetimeFigureOut">
               <a:rPr kumimoji="1" lang="ja-JP" altLang="en-US" smtClean="0"/>
-              <a:t>2014/11/26</a:t>
+              <a:t>2014/11/27</a:t>
             </a:fld>
             <a:endParaRPr kumimoji="1" lang="ja-JP" altLang="en-US"/>
           </a:p>
@@ -3447,6 +3916,13 @@
   <p:clrMapOvr>
     <a:masterClrMapping/>
   </p:clrMapOvr>
+  <p:timing>
+    <p:tnLst>
+      <p:par>
+        <p:cTn xmlns:p14="http://schemas.microsoft.com/office/powerpoint/2010/main" id="1" dur="indefinite" restart="never" nodeType="tmRoot"/>
+      </p:par>
+    </p:tnLst>
+  </p:timing>
 </p:sld>
 </file>
 
@@ -3507,7 +3983,7 @@
         <p:spPr>
           <a:xfrm>
             <a:off x="838200" y="1335846"/>
-            <a:ext cx="9530687" cy="2246769"/>
+            <a:ext cx="9530687" cy="3970318"/>
           </a:xfrm>
           <a:prstGeom prst="rect">
             <a:avLst/>
@@ -3532,7 +4008,37 @@
             </a:r>
             <a:r>
               <a:rPr lang="en-US" altLang="ja-JP" sz="2800" dirty="0" smtClean="0"/>
-              <a:t>   &lt;</a:t>
+              <a:t>   </a:t>
+            </a:r>
+            <a:r>
+              <a:rPr lang="en-US" altLang="ja-JP" sz="2800" dirty="0" err="1" smtClean="0"/>
+              <a:t>uid</a:t>
+            </a:r>
+            <a:r>
+              <a:rPr lang="en-US" altLang="ja-JP" sz="2800" dirty="0" smtClean="0"/>
+              <a:t>:&lt;</a:t>
+            </a:r>
+            <a:r>
+              <a:rPr lang="ja-JP" altLang="en-US" sz="2800" dirty="0" smtClean="0"/>
+              <a:t>ブラウザ識別子</a:t>
+            </a:r>
+            <a:r>
+              <a:rPr lang="en-US" altLang="ja-JP" sz="2800" dirty="0" smtClean="0"/>
+              <a:t>&gt;,</a:t>
+            </a:r>
+          </a:p>
+          <a:p>
+            <a:r>
+              <a:rPr lang="en-US" altLang="ja-JP" sz="2800" dirty="0"/>
+              <a:t> </a:t>
+            </a:r>
+            <a:r>
+              <a:rPr lang="en-US" altLang="ja-JP" sz="2800" dirty="0" smtClean="0"/>
+              <a:t>   </a:t>
+            </a:r>
+            <a:r>
+              <a:rPr lang="en-US" altLang="ja-JP" sz="2800" dirty="0" smtClean="0"/>
+              <a:t>action:&lt;</a:t>
             </a:r>
             <a:r>
               <a:rPr lang="ja-JP" altLang="en-US" sz="2800" dirty="0" smtClean="0"/>
@@ -3540,23 +4046,49 @@
             </a:r>
             <a:r>
               <a:rPr lang="en-US" altLang="ja-JP" sz="2800" dirty="0" smtClean="0"/>
-              <a:t>&gt; </a:t>
+              <a:t>&gt;,</a:t>
+            </a:r>
+          </a:p>
+          <a:p>
+            <a:r>
+              <a:rPr lang="en-US" altLang="ja-JP" sz="2800" dirty="0" smtClean="0"/>
+              <a:t>    attribute:{</a:t>
+            </a:r>
+          </a:p>
+          <a:p>
+            <a:r>
+              <a:rPr lang="en-US" altLang="ja-JP" sz="2800" dirty="0"/>
+              <a:t> </a:t>
+            </a:r>
+            <a:r>
+              <a:rPr lang="en-US" altLang="ja-JP" sz="2800" dirty="0" smtClean="0"/>
+              <a:t>       &lt;</a:t>
             </a:r>
             <a:r>
               <a:rPr lang="ja-JP" altLang="en-US" sz="2800" dirty="0" smtClean="0"/>
-              <a:t>： </a:t>
-            </a:r>
-            <a:r>
-              <a:rPr lang="en-US" altLang="ja-JP" sz="2800" dirty="0" smtClean="0"/>
-              <a:t>&lt;</a:t>
+              <a:t>動作毎のパラメータ名</a:t>
+            </a:r>
+            <a:r>
+              <a:rPr lang="en-US" altLang="ja-JP" sz="2800" dirty="0" smtClean="0"/>
+              <a:t>&gt;: &lt;</a:t>
             </a:r>
             <a:r>
               <a:rPr lang="ja-JP" altLang="en-US" sz="2800" dirty="0" smtClean="0"/>
-              <a:t>動作の内容</a:t>
-            </a:r>
-            <a:r>
-              <a:rPr lang="en-US" altLang="ja-JP" sz="2800" dirty="0" smtClean="0"/>
-              <a:t>&gt;,</a:t>
+              <a:t>動作毎のパラメータ</a:t>
+            </a:r>
+            <a:r>
+              <a:rPr lang="en-US" altLang="ja-JP" sz="2800" dirty="0" smtClean="0"/>
+              <a:t>&gt;, …</a:t>
+            </a:r>
+          </a:p>
+          <a:p>
+            <a:r>
+              <a:rPr lang="en-US" altLang="ja-JP" sz="2800" dirty="0"/>
+              <a:t> </a:t>
+            </a:r>
+            <a:r>
+              <a:rPr lang="en-US" altLang="ja-JP" sz="2800" dirty="0" smtClean="0"/>
+              <a:t>  },</a:t>
             </a:r>
             <a:r>
               <a:rPr lang="en-US" altLang="ja-JP" sz="2800" dirty="0"/>
@@ -3567,7 +4099,11 @@
             </a:br>
             <a:r>
               <a:rPr lang="en-US" altLang="ja-JP" sz="2800" dirty="0" smtClean="0"/>
-              <a:t>    timestamp : &lt;</a:t>
+              <a:t>    </a:t>
+            </a:r>
+            <a:r>
+              <a:rPr lang="en-US" altLang="ja-JP" sz="2800" dirty="0" smtClean="0"/>
+              <a:t>timestamp : &lt;</a:t>
             </a:r>
             <a:r>
               <a:rPr lang="ja-JP" altLang="en-US" sz="2800" dirty="0" smtClean="0"/>
@@ -3609,14 +4145,14 @@
       </p:sp>
       <p:sp>
         <p:nvSpPr>
-          <p:cNvPr id="4" name="テキスト ボックス 3"/>
+          <p:cNvPr id="5" name="テキスト ボックス 4"/>
           <p:cNvSpPr txBox="1"/>
           <p:nvPr/>
         </p:nvSpPr>
         <p:spPr>
           <a:xfrm>
-            <a:off x="838200" y="3197940"/>
-            <a:ext cx="9530687" cy="2677656"/>
+            <a:off x="1624176" y="4549676"/>
+            <a:ext cx="4861234" cy="2585323"/>
           </a:xfrm>
           <a:prstGeom prst="rect">
             <a:avLst/>
@@ -3630,67 +4166,111 @@
           <a:lstStyle/>
           <a:p>
             <a:r>
-              <a:rPr lang="ja-JP" altLang="en-US" sz="2800" dirty="0" smtClean="0"/>
-              <a:t>例</a:t>
-            </a:r>
-            <a:endParaRPr kumimoji="1" lang="en-US" altLang="ja-JP" sz="2800" dirty="0" smtClean="0"/>
-          </a:p>
-          <a:p>
-            <a:r>
-              <a:rPr kumimoji="1" lang="en-US" altLang="ja-JP" sz="2800" dirty="0" smtClean="0"/>
+              <a:rPr kumimoji="1" lang="ja-JP" altLang="en-US" dirty="0" smtClean="0"/>
+              <a:t>例：</a:t>
+            </a:r>
+            <a:r>
+              <a:rPr kumimoji="1" lang="en-US" altLang="ja-JP" dirty="0" smtClean="0"/>
               <a:t>{</a:t>
             </a:r>
           </a:p>
           <a:p>
             <a:r>
-              <a:rPr lang="en-US" altLang="ja-JP" sz="2800" dirty="0"/>
+              <a:rPr lang="en-US" altLang="ja-JP" dirty="0"/>
               <a:t> </a:t>
             </a:r>
             <a:r>
-              <a:rPr lang="en-US" altLang="ja-JP" sz="2800" dirty="0" smtClean="0"/>
+              <a:rPr lang="en-US" altLang="ja-JP" dirty="0" smtClean="0"/>
               <a:t>   </a:t>
             </a:r>
             <a:r>
-              <a:rPr lang="en-US" altLang="ja-JP" sz="2800" dirty="0" err="1" smtClean="0"/>
-              <a:t>show_page</a:t>
-            </a:r>
-            <a:r>
-              <a:rPr lang="en-US" altLang="ja-JP" sz="2800" dirty="0" smtClean="0"/>
-              <a:t>: “#</a:t>
-            </a:r>
-            <a:r>
-              <a:rPr lang="en-US" altLang="ja-JP" sz="2800" dirty="0" err="1" smtClean="0"/>
+              <a:rPr lang="en-US" altLang="ja-JP" dirty="0" err="1" smtClean="0"/>
+              <a:t>uid:xxxxxxxx</a:t>
+            </a:r>
+            <a:r>
+              <a:rPr lang="en-US" altLang="ja-JP" dirty="0" smtClean="0"/>
+              <a:t>,</a:t>
+            </a:r>
+            <a:endParaRPr kumimoji="1" lang="en-US" altLang="ja-JP" dirty="0" smtClean="0"/>
+          </a:p>
+          <a:p>
+            <a:r>
+              <a:rPr lang="en-US" altLang="ja-JP" dirty="0" smtClean="0"/>
+              <a:t>    </a:t>
+            </a:r>
+            <a:r>
+              <a:rPr lang="en-US" altLang="ja-JP" dirty="0" err="1" smtClean="0"/>
+              <a:t>action:”bookmark</a:t>
+            </a:r>
+            <a:r>
+              <a:rPr lang="en-US" altLang="ja-JP" dirty="0" smtClean="0"/>
+              <a:t>”,</a:t>
+            </a:r>
+          </a:p>
+          <a:p>
+            <a:r>
+              <a:rPr lang="en-US" altLang="ja-JP" dirty="0"/>
+              <a:t> </a:t>
+            </a:r>
+            <a:r>
+              <a:rPr lang="en-US" altLang="ja-JP" dirty="0" smtClean="0"/>
+              <a:t>   </a:t>
+            </a:r>
+            <a:r>
+              <a:rPr lang="en-US" altLang="ja-JP" dirty="0" err="1" smtClean="0"/>
+              <a:t>timestamp:xxxxxxxxxxxx</a:t>
+            </a:r>
+            <a:r>
+              <a:rPr lang="en-US" altLang="ja-JP" dirty="0" smtClean="0"/>
+              <a:t>,</a:t>
+            </a:r>
+          </a:p>
+          <a:p>
+            <a:r>
+              <a:rPr lang="en-US" altLang="ja-JP" dirty="0" smtClean="0"/>
+              <a:t>    attribute:{</a:t>
+            </a:r>
+          </a:p>
+          <a:p>
+            <a:r>
+              <a:rPr lang="en-US" altLang="ja-JP" dirty="0"/>
+              <a:t> </a:t>
+            </a:r>
+            <a:r>
+              <a:rPr lang="en-US" altLang="ja-JP" dirty="0" smtClean="0"/>
+              <a:t>       posterid:2,</a:t>
+            </a:r>
+          </a:p>
+          <a:p>
+            <a:r>
+              <a:rPr lang="en-US" altLang="ja-JP" dirty="0" smtClean="0"/>
+              <a:t>        page:”</a:t>
+            </a:r>
+            <a:r>
+              <a:rPr lang="en-US" altLang="ja-JP" dirty="0" err="1" smtClean="0"/>
               <a:t>posterListPage</a:t>
             </a:r>
             <a:r>
-              <a:rPr lang="en-US" altLang="ja-JP" sz="2800" dirty="0" smtClean="0"/>
-              <a:t>",</a:t>
-            </a:r>
-          </a:p>
-          <a:p>
-            <a:r>
-              <a:rPr lang="en-US" altLang="ja-JP" sz="2800" dirty="0" smtClean="0"/>
-              <a:t>    timestamp : 1416983148927</a:t>
-            </a:r>
-            <a:br>
-              <a:rPr lang="en-US" altLang="ja-JP" sz="2800" dirty="0" smtClean="0"/>
-            </a:br>
-            <a:r>
-              <a:rPr lang="en-US" altLang="ja-JP" sz="2800" dirty="0" smtClean="0"/>
+              <a:rPr lang="en-US" altLang="ja-JP" dirty="0" smtClean="0"/>
+              <a:t>”</a:t>
+            </a:r>
+          </a:p>
+          <a:p>
+            <a:r>
+              <a:rPr lang="en-US" altLang="ja-JP" dirty="0"/>
+              <a:t> </a:t>
+            </a:r>
+            <a:r>
+              <a:rPr lang="en-US" altLang="ja-JP" dirty="0" smtClean="0"/>
+              <a:t>   }</a:t>
+            </a:r>
+          </a:p>
+          <a:p>
+            <a:r>
+              <a:rPr kumimoji="1" lang="en-US" altLang="ja-JP" dirty="0" smtClean="0"/>
               <a:t>}</a:t>
             </a:r>
-            <a:endParaRPr kumimoji="1" lang="en-US" altLang="ja-JP" sz="2800" dirty="0" smtClean="0"/>
-          </a:p>
-          <a:p>
-            <a:r>
-              <a:rPr lang="en-US" altLang="ja-JP" sz="2800" dirty="0"/>
-              <a:t> </a:t>
-            </a:r>
-            <a:r>
-              <a:rPr lang="en-US" altLang="ja-JP" sz="2800" dirty="0" smtClean="0"/>
-              <a:t> </a:t>
-            </a:r>
-            <a:endParaRPr kumimoji="1" lang="ja-JP" altLang="en-US" sz="2800" dirty="0"/>
+            <a:endParaRPr kumimoji="1" lang="ja-JP" altLang="en-US" dirty="0"/>
           </a:p>
         </p:txBody>
       </p:sp>
@@ -3704,6 +4284,13 @@
   <p:clrMapOvr>
     <a:masterClrMapping/>
   </p:clrMapOvr>
+  <p:timing>
+    <p:tnLst>
+      <p:par>
+        <p:cTn xmlns:p14="http://schemas.microsoft.com/office/powerpoint/2010/main" id="1" dur="indefinite" restart="never" nodeType="tmRoot"/>
+      </p:par>
+    </p:tnLst>
+  </p:timing>
 </p:sld>
 </file>
 
@@ -3760,14 +4347,14 @@
           <p:nvPr>
             <p:extLst>
               <p:ext uri="{D42A27DB-BD31-4B8C-83A1-F6EECF244321}">
-                <p14:modId xmlns:p14="http://schemas.microsoft.com/office/powerpoint/2010/main" val="3192520229"/>
+                <p14:modId xmlns:p14="http://schemas.microsoft.com/office/powerpoint/2010/main" val="1023904433"/>
               </p:ext>
             </p:extLst>
           </p:nvPr>
         </p:nvGraphicFramePr>
         <p:xfrm>
           <a:off x="1091842" y="1690688"/>
-          <a:ext cx="9172620" cy="2966720"/>
+          <a:ext cx="9172620" cy="3774440"/>
         </p:xfrm>
         <a:graphic>
           <a:graphicData uri="http://schemas.openxmlformats.org/drawingml/2006/table">
@@ -3859,16 +4446,12 @@
                     <a:lstStyle/>
                     <a:p>
                       <a:r>
-                        <a:rPr kumimoji="1" lang="ja-JP" altLang="en-US" dirty="0" smtClean="0"/>
-                        <a:t>ページ名（</a:t>
-                      </a:r>
-                      <a:r>
                         <a:rPr kumimoji="1" lang="en-US" altLang="ja-JP" dirty="0" smtClean="0"/>
-                        <a:t>#</a:t>
+                        <a:t>page:</a:t>
                       </a:r>
                       <a:r>
                         <a:rPr kumimoji="1" lang="ja-JP" altLang="en-US" dirty="0" smtClean="0"/>
-                        <a:t>から）</a:t>
+                        <a:t>ページ名</a:t>
                       </a:r>
                       <a:endParaRPr kumimoji="1" lang="ja-JP" altLang="en-US" dirty="0"/>
                     </a:p>
@@ -3910,6 +4493,14 @@
                     <a:bodyPr/>
                     <a:lstStyle/>
                     <a:p>
+                      <a:r>
+                        <a:rPr kumimoji="1" lang="en-US" altLang="ja-JP" dirty="0" err="1" smtClean="0"/>
+                        <a:t>Posterid</a:t>
+                      </a:r>
+                      <a:r>
+                        <a:rPr kumimoji="1" lang="en-US" altLang="ja-JP" dirty="0" smtClean="0"/>
+                        <a:t>:</a:t>
+                      </a:r>
                       <a:r>
                         <a:rPr kumimoji="1" lang="ja-JP" altLang="en-US" dirty="0" smtClean="0"/>
                         <a:t>ポスター</a:t>
@@ -3959,6 +4550,10 @@
                     <a:lstStyle/>
                     <a:p>
                       <a:r>
+                        <a:rPr kumimoji="1" lang="en-US" altLang="ja-JP" dirty="0" err="1" smtClean="0"/>
+                        <a:t>Posterid:p</a:t>
+                      </a:r>
+                      <a:r>
                         <a:rPr kumimoji="1" lang="ja-JP" altLang="en-US" dirty="0" smtClean="0"/>
                         <a:t>ポスター</a:t>
                       </a:r>
@@ -4007,14 +4602,28 @@
                     <a:lstStyle/>
                     <a:p>
                       <a:r>
+                        <a:rPr kumimoji="1" lang="en-US" altLang="ja-JP" dirty="0" err="1" smtClean="0"/>
+                        <a:t>posterid</a:t>
+                      </a:r>
+                      <a:r>
                         <a:rPr kumimoji="1" lang="ja-JP" altLang="en-US" dirty="0" smtClean="0"/>
                         <a:t>ポスター</a:t>
                       </a:r>
                       <a:r>
                         <a:rPr kumimoji="1" lang="en-US" altLang="ja-JP" dirty="0" smtClean="0"/>
-                        <a:t>ID</a:t>
+                        <a:t>ID, </a:t>
                       </a:r>
-                      <a:endParaRPr kumimoji="1" lang="ja-JP" altLang="en-US" dirty="0"/>
+                    </a:p>
+                    <a:p>
+                      <a:r>
+                        <a:rPr kumimoji="1" lang="en-US" altLang="ja-JP" dirty="0" smtClean="0"/>
+                        <a:t>page:</a:t>
+                      </a:r>
+                      <a:r>
+                        <a:rPr kumimoji="1" lang="ja-JP" altLang="en-US" dirty="0" smtClean="0"/>
+                        <a:t>ページ名</a:t>
+                      </a:r>
+                      <a:endParaRPr kumimoji="1" lang="en-US" altLang="ja-JP" dirty="0" smtClean="0"/>
                     </a:p>
                   </a:txBody>
                   <a:tcPr/>
@@ -4055,12 +4664,30 @@
                     <a:lstStyle/>
                     <a:p>
                       <a:r>
+                        <a:rPr kumimoji="1" lang="en-US" altLang="ja-JP" dirty="0" err="1" smtClean="0"/>
+                        <a:t>Posterid</a:t>
+                      </a:r>
+                      <a:r>
+                        <a:rPr kumimoji="1" lang="en-US" altLang="ja-JP" dirty="0" smtClean="0"/>
+                        <a:t>:</a:t>
+                      </a:r>
+                      <a:r>
                         <a:rPr kumimoji="1" lang="ja-JP" altLang="en-US" dirty="0" smtClean="0"/>
                         <a:t>ポスター</a:t>
                       </a:r>
                       <a:r>
                         <a:rPr kumimoji="1" lang="en-US" altLang="ja-JP" dirty="0" smtClean="0"/>
-                        <a:t>ID</a:t>
+                        <a:t>ID, </a:t>
+                      </a:r>
+                    </a:p>
+                    <a:p>
+                      <a:r>
+                        <a:rPr kumimoji="1" lang="en-US" altLang="ja-JP" dirty="0" smtClean="0"/>
+                        <a:t>page:</a:t>
+                      </a:r>
+                      <a:r>
+                        <a:rPr kumimoji="1" lang="ja-JP" altLang="en-US" dirty="0" smtClean="0"/>
+                        <a:t>ページ名</a:t>
                       </a:r>
                       <a:endParaRPr kumimoji="1" lang="ja-JP" altLang="en-US" dirty="0"/>
                     </a:p>
@@ -4102,6 +4729,10 @@
                     <a:bodyPr/>
                     <a:lstStyle/>
                     <a:p>
+                      <a:r>
+                        <a:rPr kumimoji="1" lang="en-US" altLang="ja-JP" dirty="0" smtClean="0"/>
+                        <a:t>keyword:</a:t>
+                      </a:r>
                       <a:r>
                         <a:rPr kumimoji="1" lang="ja-JP" altLang="en-US" dirty="0" smtClean="0"/>
                         <a:t>キーワード</a:t>
@@ -4147,8 +4778,16 @@
                     <a:lstStyle/>
                     <a:p>
                       <a:r>
+                        <a:rPr kumimoji="1" lang="en-US" altLang="ja-JP" dirty="0" smtClean="0"/>
+                        <a:t>Label:</a:t>
+                      </a:r>
+                      <a:r>
                         <a:rPr kumimoji="1" lang="ja-JP" altLang="en-US" dirty="0" smtClean="0"/>
-                        <a:t>切り替え先（</a:t>
+                        <a:t>切り替え先</a:t>
+                      </a:r>
+                      <a:r>
+                        <a:rPr kumimoji="1" lang="ja-JP" altLang="en-US" dirty="0" smtClean="0"/>
+                        <a:t>（</a:t>
                       </a:r>
                       <a:r>
                         <a:rPr kumimoji="1" lang="en-US" altLang="ja-JP" dirty="0" smtClean="0"/>
@@ -4182,6 +4821,13 @@
   <p:clrMapOvr>
     <a:masterClrMapping/>
   </p:clrMapOvr>
+  <p:timing>
+    <p:tnLst>
+      <p:par>
+        <p:cTn xmlns:p14="http://schemas.microsoft.com/office/powerpoint/2010/main" id="1" dur="indefinite" restart="never" nodeType="tmRoot"/>
+      </p:par>
+    </p:tnLst>
+  </p:timing>
 </p:sld>
 </file>
 
@@ -4242,7 +4888,7 @@
         <p:spPr>
           <a:xfrm>
             <a:off x="838200" y="1335846"/>
-            <a:ext cx="9530687" cy="3970318"/>
+            <a:ext cx="9530687" cy="3108544"/>
           </a:xfrm>
           <a:prstGeom prst="rect">
             <a:avLst/>
@@ -4256,9 +4902,32 @@
           <a:lstStyle/>
           <a:p>
             <a:r>
-              <a:rPr kumimoji="1" lang="en-US" altLang="ja-JP" sz="2800" dirty="0" smtClean="0"/>
-              <a:t>{</a:t>
-            </a:r>
+              <a:rPr lang="en-US" altLang="ja-JP" sz="2800" dirty="0" smtClean="0"/>
+              <a:t>   [</a:t>
+            </a:r>
+          </a:p>
+          <a:p>
+            <a:r>
+              <a:rPr lang="en-US" altLang="ja-JP" sz="2800" dirty="0" smtClean="0"/>
+              <a:t>    &lt;</a:t>
+            </a:r>
+            <a:r>
+              <a:rPr lang="en-US" altLang="ja-JP" sz="2800" dirty="0" smtClean="0"/>
+              <a:t>0</a:t>
+            </a:r>
+            <a:r>
+              <a:rPr lang="ja-JP" altLang="en-US" sz="2800" dirty="0" smtClean="0"/>
+              <a:t>番目のログデータの</a:t>
+            </a:r>
+            <a:r>
+              <a:rPr lang="en-US" altLang="ja-JP" sz="2800" dirty="0" smtClean="0"/>
+              <a:t>JSON</a:t>
+            </a:r>
+            <a:r>
+              <a:rPr lang="en-US" altLang="ja-JP" sz="2800" dirty="0" smtClean="0"/>
+              <a:t>&gt;,</a:t>
+            </a:r>
+            <a:endParaRPr lang="en-US" altLang="ja-JP" sz="2800" dirty="0" smtClean="0"/>
           </a:p>
           <a:p>
             <a:r>
@@ -4270,54 +4939,38 @@
               <a:t>  </a:t>
             </a:r>
             <a:r>
-              <a:rPr lang="en-US" altLang="ja-JP" sz="2800" dirty="0" err="1" smtClean="0"/>
-              <a:t>uid</a:t>
-            </a:r>
-            <a:r>
-              <a:rPr lang="en-US" altLang="ja-JP" sz="2800" dirty="0" smtClean="0"/>
-              <a:t> : &lt;</a:t>
-            </a:r>
-            <a:r>
-              <a:rPr lang="ja-JP" altLang="en-US" sz="2800" dirty="0" smtClean="0"/>
-              <a:t>個別識別</a:t>
-            </a:r>
-            <a:r>
-              <a:rPr lang="en-US" altLang="ja-JP" sz="2800" dirty="0" smtClean="0"/>
-              <a:t>ID&gt;</a:t>
-            </a:r>
-          </a:p>
-          <a:p>
-            <a:r>
               <a:rPr lang="en-US" altLang="ja-JP" sz="2800" dirty="0"/>
               <a:t> </a:t>
             </a:r>
             <a:r>
               <a:rPr lang="en-US" altLang="ja-JP" sz="2800" dirty="0" smtClean="0"/>
-              <a:t>  </a:t>
-            </a:r>
-            <a:r>
-              <a:rPr lang="en-US" altLang="ja-JP" sz="2800" dirty="0" err="1" smtClean="0"/>
-              <a:t>sendtime</a:t>
-            </a:r>
-            <a:r>
-              <a:rPr lang="en-US" altLang="ja-JP" sz="2800" dirty="0" smtClean="0"/>
-              <a:t> : &lt;</a:t>
+              <a:t>&lt;</a:t>
+            </a:r>
+            <a:r>
+              <a:rPr lang="en-US" altLang="ja-JP" sz="2800" dirty="0" smtClean="0"/>
+              <a:t>1</a:t>
             </a:r>
             <a:r>
               <a:rPr lang="ja-JP" altLang="en-US" sz="2800" dirty="0" smtClean="0"/>
-              <a:t>現在の</a:t>
-            </a:r>
-            <a:r>
-              <a:rPr lang="en-US" altLang="ja-JP" sz="2800" dirty="0" smtClean="0"/>
-              <a:t>UNIX</a:t>
-            </a:r>
-            <a:r>
-              <a:rPr lang="ja-JP" altLang="en-US" sz="2800" dirty="0" smtClean="0"/>
-              <a:t>時刻</a:t>
-            </a:r>
-            <a:r>
-              <a:rPr lang="en-US" altLang="ja-JP" sz="2800" dirty="0" smtClean="0"/>
-              <a:t>&gt;</a:t>
+              <a:t>番目のログデータの</a:t>
+            </a:r>
+            <a:r>
+              <a:rPr lang="en-US" altLang="ja-JP" sz="2800" dirty="0" smtClean="0"/>
+              <a:t>JSON</a:t>
+            </a:r>
+            <a:r>
+              <a:rPr lang="en-US" altLang="ja-JP" sz="2800" dirty="0" smtClean="0"/>
+              <a:t>&gt;,</a:t>
+            </a:r>
+          </a:p>
+          <a:p>
+            <a:r>
+              <a:rPr lang="en-US" altLang="ja-JP" sz="2800" dirty="0" smtClean="0"/>
+              <a:t>   </a:t>
+            </a:r>
+            <a:r>
+              <a:rPr lang="en-US" altLang="ja-JP" sz="2800" dirty="0" smtClean="0"/>
+              <a:t>…</a:t>
             </a:r>
           </a:p>
           <a:p>
@@ -4327,7 +4980,15 @@
             </a:r>
             <a:r>
               <a:rPr lang="en-US" altLang="ja-JP" sz="2800" dirty="0" smtClean="0"/>
-              <a:t>  0 : &lt;0</a:t>
+              <a:t>  </a:t>
+            </a:r>
+            <a:r>
+              <a:rPr lang="en-US" altLang="ja-JP" sz="2800" dirty="0" smtClean="0"/>
+              <a:t> &lt;</a:t>
+            </a:r>
+            <a:r>
+              <a:rPr lang="en-US" altLang="ja-JP" sz="2800" dirty="0" smtClean="0"/>
+              <a:t>n</a:t>
             </a:r>
             <a:r>
               <a:rPr lang="ja-JP" altLang="en-US" sz="2800" dirty="0" smtClean="0"/>
@@ -4335,56 +4996,17 @@
             </a:r>
             <a:r>
               <a:rPr lang="en-US" altLang="ja-JP" sz="2800" dirty="0" smtClean="0"/>
-              <a:t>JSON&gt;</a:t>
-            </a:r>
-          </a:p>
-          <a:p>
-            <a:r>
-              <a:rPr lang="en-US" altLang="ja-JP" sz="2800" dirty="0"/>
-              <a:t> </a:t>
-            </a:r>
-            <a:r>
-              <a:rPr lang="en-US" altLang="ja-JP" sz="2800" dirty="0" smtClean="0"/>
-              <a:t>  1 : &lt;1</a:t>
-            </a:r>
-            <a:r>
-              <a:rPr lang="ja-JP" altLang="en-US" sz="2800" dirty="0" smtClean="0"/>
-              <a:t>番目のログデータの</a:t>
-            </a:r>
-            <a:r>
-              <a:rPr lang="en-US" altLang="ja-JP" sz="2800" dirty="0" smtClean="0"/>
-              <a:t>JSON&gt; </a:t>
-            </a:r>
-          </a:p>
-          <a:p>
-            <a:r>
-              <a:rPr lang="en-US" altLang="ja-JP" sz="2800" dirty="0" smtClean="0"/>
-              <a:t>   …</a:t>
-            </a:r>
-          </a:p>
-          <a:p>
-            <a:r>
-              <a:rPr lang="en-US" altLang="ja-JP" sz="2800" dirty="0"/>
-              <a:t> </a:t>
-            </a:r>
-            <a:r>
-              <a:rPr lang="en-US" altLang="ja-JP" sz="2800" dirty="0" smtClean="0"/>
-              <a:t>  n : &lt;n</a:t>
-            </a:r>
-            <a:r>
-              <a:rPr lang="ja-JP" altLang="en-US" sz="2800" dirty="0" smtClean="0"/>
-              <a:t>番目のログデータの</a:t>
-            </a:r>
-            <a:r>
-              <a:rPr lang="en-US" altLang="ja-JP" sz="2800" dirty="0" smtClean="0"/>
-              <a:t>JSON&gt;</a:t>
-            </a:r>
-            <a:br>
-              <a:rPr lang="en-US" altLang="ja-JP" sz="2800" dirty="0" smtClean="0"/>
-            </a:br>
-            <a:r>
-              <a:rPr lang="en-US" altLang="ja-JP" sz="2800" dirty="0" smtClean="0"/>
-              <a:t>}</a:t>
+              <a:t>JSON</a:t>
+            </a:r>
+            <a:r>
+              <a:rPr lang="en-US" altLang="ja-JP" sz="2800" dirty="0" smtClean="0"/>
+              <a:t>&gt;</a:t>
+            </a:r>
+          </a:p>
+          <a:p>
+            <a:r>
+              <a:rPr lang="en-US" altLang="ja-JP" sz="2800" dirty="0" smtClean="0"/>
+              <a:t>]</a:t>
             </a:r>
             <a:endParaRPr kumimoji="1" lang="en-US" altLang="ja-JP" sz="2800" dirty="0" smtClean="0"/>
           </a:p>
@@ -4411,6 +5033,13 @@
   <p:clrMapOvr>
     <a:masterClrMapping/>
   </p:clrMapOvr>
+  <p:timing>
+    <p:tnLst>
+      <p:par>
+        <p:cTn xmlns:p14="http://schemas.microsoft.com/office/powerpoint/2010/main" id="1" dur="indefinite" restart="never" nodeType="tmRoot"/>
+      </p:par>
+    </p:tnLst>
+  </p:timing>
 </p:sld>
 </file>
 
@@ -4471,7 +5100,7 @@
         <p:spPr>
           <a:xfrm>
             <a:off x="838200" y="1335846"/>
-            <a:ext cx="11526672" cy="3539430"/>
+            <a:ext cx="11526672" cy="2677656"/>
           </a:xfrm>
           <a:prstGeom prst="rect">
             <a:avLst/>
@@ -4495,7 +5124,7 @@
             <a:pPr algn="just"/>
             <a:r>
               <a:rPr lang="en-US" altLang="ja-JP" sz="2800" dirty="0" smtClean="0"/>
-              <a:t>{</a:t>
+              <a:t>[</a:t>
             </a:r>
           </a:p>
           <a:p>
@@ -4506,15 +5135,23 @@
             </a:r>
             <a:r>
               <a:rPr lang="en-US" altLang="ja-JP" sz="2800" dirty="0" smtClean="0"/>
-              <a:t>   </a:t>
-            </a:r>
-            <a:r>
-              <a:rPr lang="en-US" altLang="ja-JP" sz="2800" dirty="0" err="1" smtClean="0"/>
-              <a:t>uid</a:t>
-            </a:r>
-            <a:r>
-              <a:rPr lang="en-US" altLang="ja-JP" sz="2800" dirty="0" smtClean="0"/>
-              <a:t> : "23cfe9e6",</a:t>
+              <a:t>   {</a:t>
+            </a:r>
+            <a:r>
+              <a:rPr lang="ja-JP" altLang="en-US" sz="2800" dirty="0" smtClean="0"/>
+              <a:t>ログ</a:t>
+            </a:r>
+            <a:r>
+              <a:rPr lang="en-US" altLang="ja-JP" sz="2800" dirty="0" smtClean="0"/>
+              <a:t>1</a:t>
+            </a:r>
+            <a:r>
+              <a:rPr lang="en-US" altLang="ja-JP" sz="2800" dirty="0" smtClean="0"/>
+              <a:t>}</a:t>
+            </a:r>
+            <a:r>
+              <a:rPr lang="en-US" altLang="ja-JP" sz="2800" dirty="0" smtClean="0"/>
+              <a:t>,</a:t>
             </a:r>
           </a:p>
           <a:p>
@@ -4528,28 +5165,24 @@
               <a:t>   </a:t>
             </a:r>
             <a:r>
-              <a:rPr lang="en-US" altLang="ja-JP" sz="2800" dirty="0" err="1" smtClean="0"/>
-              <a:t>sendtime</a:t>
-            </a:r>
-            <a:r>
-              <a:rPr lang="en-US" altLang="ja-JP" sz="2800" dirty="0" smtClean="0"/>
-              <a:t> : 1416983155440,</a:t>
-            </a:r>
-            <a:endParaRPr lang="en-US" altLang="ja-JP" sz="2800" dirty="0"/>
-          </a:p>
-          <a:p>
-            <a:pPr algn="just"/>
-            <a:r>
-              <a:rPr lang="en-US" altLang="ja-JP" sz="2800" dirty="0" smtClean="0"/>
-              <a:t>    0 : {</a:t>
-            </a:r>
-            <a:r>
-              <a:rPr lang="en-US" altLang="ja-JP" sz="2800" dirty="0" err="1" smtClean="0"/>
-              <a:t>show_page</a:t>
-            </a:r>
-            <a:r>
-              <a:rPr lang="en-US" altLang="ja-JP" sz="2800" dirty="0" smtClean="0"/>
-              <a:t>:"#posterListPage",timestamp:1416983148927},</a:t>
+              <a:rPr lang="en-US" altLang="ja-JP" sz="2800" dirty="0" smtClean="0"/>
+              <a:t>{</a:t>
+            </a:r>
+            <a:r>
+              <a:rPr lang="ja-JP" altLang="en-US" sz="2800" dirty="0" smtClean="0"/>
+              <a:t>ログ</a:t>
+            </a:r>
+            <a:r>
+              <a:rPr lang="en-US" altLang="ja-JP" sz="2800" dirty="0" smtClean="0"/>
+              <a:t>2</a:t>
+            </a:r>
+            <a:r>
+              <a:rPr lang="en-US" altLang="ja-JP" sz="2800" dirty="0" smtClean="0"/>
+              <a:t>}</a:t>
+            </a:r>
+            <a:r>
+              <a:rPr lang="en-US" altLang="ja-JP" sz="2800" dirty="0" smtClean="0"/>
+              <a:t>,</a:t>
             </a:r>
           </a:p>
           <a:p>
@@ -4560,42 +5193,33 @@
             </a:r>
             <a:r>
               <a:rPr lang="en-US" altLang="ja-JP" sz="2800" dirty="0" smtClean="0"/>
-              <a:t>   1 : {</a:t>
-            </a:r>
-            <a:r>
-              <a:rPr lang="en-US" altLang="ja-JP" sz="2800" dirty="0" err="1" smtClean="0"/>
-              <a:t>show_page</a:t>
-            </a:r>
-            <a:r>
-              <a:rPr lang="en-US" altLang="ja-JP" sz="2800" dirty="0" smtClean="0"/>
-              <a:t>:"#posterMapPage",timestamp:1416983150802},</a:t>
-            </a:r>
+              <a:t>   </a:t>
+            </a:r>
+            <a:r>
+              <a:rPr lang="en-US" altLang="ja-JP" sz="2800" dirty="0" smtClean="0"/>
+              <a:t>{</a:t>
+            </a:r>
+            <a:r>
+              <a:rPr lang="ja-JP" altLang="en-US" sz="2800" dirty="0" smtClean="0"/>
+              <a:t>ログ</a:t>
+            </a:r>
+            <a:r>
+              <a:rPr lang="en-US" altLang="ja-JP" sz="2800"/>
+              <a:t>3</a:t>
+            </a:r>
+            <a:r>
+              <a:rPr lang="en-US" altLang="ja-JP" sz="2800" smtClean="0"/>
+              <a:t>}</a:t>
+            </a:r>
+            <a:endParaRPr lang="en-US" altLang="ja-JP" sz="2800" dirty="0" smtClean="0"/>
           </a:p>
           <a:p>
             <a:pPr algn="just"/>
             <a:r>
               <a:rPr lang="en-US" altLang="ja-JP" sz="2800" dirty="0"/>
-              <a:t> </a:t>
-            </a:r>
-            <a:r>
-              <a:rPr lang="en-US" altLang="ja-JP" sz="2800" dirty="0" smtClean="0"/>
-              <a:t>   2 : {</a:t>
-            </a:r>
-            <a:r>
-              <a:rPr lang="en-US" altLang="ja-JP" sz="2800" dirty="0" err="1" smtClean="0"/>
-              <a:t>show_page</a:t>
-            </a:r>
-            <a:r>
-              <a:rPr lang="en-US" altLang="ja-JP" sz="2800" dirty="0" smtClean="0"/>
-              <a:t>:"#posterListPage",timestamp:1416983151751}</a:t>
-            </a:r>
-          </a:p>
-          <a:p>
-            <a:pPr algn="just"/>
-            <a:r>
-              <a:rPr lang="en-US" altLang="ja-JP" sz="2800" dirty="0" smtClean="0"/>
-              <a:t>}</a:t>
-            </a:r>
+              <a:t>]</a:t>
+            </a:r>
+            <a:endParaRPr lang="en-US" altLang="ja-JP" sz="2800" dirty="0" smtClean="0"/>
           </a:p>
         </p:txBody>
       </p:sp>
@@ -4609,6 +5233,13 @@
   <p:clrMapOvr>
     <a:masterClrMapping/>
   </p:clrMapOvr>
+  <p:timing>
+    <p:tnLst>
+      <p:par>
+        <p:cTn xmlns:p14="http://schemas.microsoft.com/office/powerpoint/2010/main" id="1" dur="indefinite" restart="never" nodeType="tmRoot"/>
+      </p:par>
+    </p:tnLst>
+  </p:timing>
 </p:sld>
 </file>
 
@@ -4668,8 +5299,8 @@
         </p:nvSpPr>
         <p:spPr>
           <a:xfrm>
-            <a:off x="838200" y="1876759"/>
-            <a:ext cx="9530687" cy="3108543"/>
+            <a:off x="763498" y="1864307"/>
+            <a:ext cx="9530687" cy="3108544"/>
           </a:xfrm>
           <a:prstGeom prst="rect">
             <a:avLst/>
@@ -4730,16 +5361,9 @@
             </a:r>
             <a:r>
               <a:rPr lang="en-US" altLang="ja-JP" sz="2800" dirty="0" smtClean="0"/>
-              <a:t>, data, </a:t>
-            </a:r>
-            <a:r>
-              <a:rPr lang="en-US" altLang="ja-JP" sz="2800" dirty="0" err="1" smtClean="0"/>
-              <a:t>sendtime</a:t>
-            </a:r>
-            <a:r>
-              <a:rPr lang="en-US" altLang="ja-JP" sz="2800" dirty="0" smtClean="0"/>
-              <a:t>)</a:t>
-            </a:r>
+              <a:t>, data)</a:t>
+            </a:r>
+            <a:endParaRPr lang="en-US" altLang="ja-JP" sz="2800" dirty="0" smtClean="0"/>
           </a:p>
           <a:p>
             <a:r>
@@ -4820,26 +5444,26 @@
               <a:t> </a:t>
             </a:r>
             <a:r>
-              <a:rPr lang="en-US" altLang="ja-JP" sz="2800" dirty="0" err="1" smtClean="0"/>
+              <a:rPr lang="en-US" altLang="ja-JP" sz="2800" strike="sngStrike" dirty="0" err="1" smtClean="0"/>
               <a:t>sendtime</a:t>
             </a:r>
             <a:r>
-              <a:rPr lang="en-US" altLang="ja-JP" sz="2800" dirty="0" smtClean="0"/>
+              <a:rPr lang="en-US" altLang="ja-JP" sz="2800" strike="sngStrike" dirty="0" smtClean="0"/>
               <a:t> : </a:t>
             </a:r>
             <a:r>
-              <a:rPr lang="ja-JP" altLang="en-US" sz="2800" dirty="0" smtClean="0"/>
+              <a:rPr lang="ja-JP" altLang="en-US" sz="2800" strike="sngStrike" dirty="0" smtClean="0"/>
               <a:t>ログデータが送られてきた</a:t>
             </a:r>
             <a:r>
-              <a:rPr lang="en-US" altLang="ja-JP" sz="2800" dirty="0" smtClean="0"/>
+              <a:rPr lang="en-US" altLang="ja-JP" sz="2800" strike="sngStrike" dirty="0" smtClean="0"/>
               <a:t>UNIX</a:t>
             </a:r>
             <a:r>
-              <a:rPr lang="ja-JP" altLang="en-US" sz="2800" dirty="0" smtClean="0"/>
+              <a:rPr lang="ja-JP" altLang="en-US" sz="2800" strike="sngStrike" dirty="0" smtClean="0"/>
               <a:t>時刻</a:t>
             </a:r>
-            <a:endParaRPr kumimoji="1" lang="ja-JP" altLang="en-US" sz="2800" dirty="0"/>
+            <a:endParaRPr kumimoji="1" lang="ja-JP" altLang="en-US" sz="2800" strike="sngStrike" dirty="0"/>
           </a:p>
         </p:txBody>
       </p:sp>
@@ -4899,7 +5523,7 @@
     </a:clrScheme>
     <a:fontScheme name="Office">
       <a:majorFont>
-        <a:latin typeface="Calibri Light" panose="020F0302020204030204"/>
+        <a:latin typeface="Calibri Light"/>
         <a:ea typeface=""/>
         <a:cs typeface=""/>
         <a:font script="Jpan" typeface="ＭＳ Ｐゴシック"/>
@@ -4934,7 +5558,7 @@
         <a:font script="Geor" typeface="Sylfaen"/>
       </a:majorFont>
       <a:minorFont>
-        <a:latin typeface="Calibri" panose="020F0502020204030204"/>
+        <a:latin typeface="Calibri"/>
         <a:ea typeface=""/>
         <a:cs typeface=""/>
         <a:font script="Jpan" typeface="ＭＳ Ｐゴシック"/>
@@ -5111,8 +5735,328 @@
   <a:extraClrSchemeLst/>
   <a:extLst>
     <a:ext uri="{05A4C25C-085E-4340-85A3-A5531E510DB2}">
-      <thm15:themeFamily xmlns:thm15="http://schemas.microsoft.com/office/thememl/2012/main" name="Office Theme" id="{62F939B6-93AF-4DB8-9C6B-D6C7DFDC589F}" vid="{4A3C46E8-61CC-4603-A589-7422A47A8E4A}"/>
+      <thm15:themeFamily xmlns:thm15="http://schemas.microsoft.com/office/thememl/2012/main" xmlns="" name="Office Theme" id="{62F939B6-93AF-4DB8-9C6B-D6C7DFDC589F}" vid="{4A3C46E8-61CC-4603-A589-7422A47A8E4A}"/>
     </a:ext>
   </a:extLst>
 </a:theme>
+</file>
+
+<file path=ppt/theme/theme2.xml><?xml version="1.0" encoding="utf-8"?>
+<a:theme xmlns:a="http://schemas.openxmlformats.org/drawingml/2006/main" name="ホワイト">
+  <a:themeElements>
+    <a:clrScheme name="Office">
+      <a:dk1>
+        <a:sysClr val="windowText" lastClr="000000"/>
+      </a:dk1>
+      <a:lt1>
+        <a:sysClr val="window" lastClr="FFFFFF"/>
+      </a:lt1>
+      <a:dk2>
+        <a:srgbClr val="1F497D"/>
+      </a:dk2>
+      <a:lt2>
+        <a:srgbClr val="EEECE1"/>
+      </a:lt2>
+      <a:accent1>
+        <a:srgbClr val="4F81BD"/>
+      </a:accent1>
+      <a:accent2>
+        <a:srgbClr val="C0504D"/>
+      </a:accent2>
+      <a:accent3>
+        <a:srgbClr val="9BBB59"/>
+      </a:accent3>
+      <a:accent4>
+        <a:srgbClr val="8064A2"/>
+      </a:accent4>
+      <a:accent5>
+        <a:srgbClr val="4BACC6"/>
+      </a:accent5>
+      <a:accent6>
+        <a:srgbClr val="F79646"/>
+      </a:accent6>
+      <a:hlink>
+        <a:srgbClr val="0000FF"/>
+      </a:hlink>
+      <a:folHlink>
+        <a:srgbClr val="800080"/>
+      </a:folHlink>
+    </a:clrScheme>
+    <a:fontScheme name="Office">
+      <a:majorFont>
+        <a:latin typeface="Calibri"/>
+        <a:ea typeface=""/>
+        <a:cs typeface=""/>
+        <a:font script="Jpan" typeface="ＭＳ Ｐゴシック"/>
+        <a:font script="Hang" typeface="맑은 고딕"/>
+        <a:font script="Hans" typeface="宋体"/>
+        <a:font script="Hant" typeface="新細明體"/>
+        <a:font script="Arab" typeface="Times New Roman"/>
+        <a:font script="Hebr" typeface="Times New Roman"/>
+        <a:font script="Thai" typeface="Angsana New"/>
+        <a:font script="Ethi" typeface="Nyala"/>
+        <a:font script="Beng" typeface="Vrinda"/>
+        <a:font script="Gujr" typeface="Shruti"/>
+        <a:font script="Khmr" typeface="MoolBoran"/>
+        <a:font script="Knda" typeface="Tunga"/>
+        <a:font script="Guru" typeface="Raavi"/>
+        <a:font script="Cans" typeface="Euphemia"/>
+        <a:font script="Cher" typeface="Plantagenet Cherokee"/>
+        <a:font script="Yiii" typeface="Microsoft Yi Baiti"/>
+        <a:font script="Tibt" typeface="Microsoft Himalaya"/>
+        <a:font script="Thaa" typeface="MV Boli"/>
+        <a:font script="Deva" typeface="Mangal"/>
+        <a:font script="Telu" typeface="Gautami"/>
+        <a:font script="Taml" typeface="Latha"/>
+        <a:font script="Syrc" typeface="Estrangelo Edessa"/>
+        <a:font script="Orya" typeface="Kalinga"/>
+        <a:font script="Mlym" typeface="Kartika"/>
+        <a:font script="Laoo" typeface="DokChampa"/>
+        <a:font script="Sinh" typeface="Iskoola Pota"/>
+        <a:font script="Mong" typeface="Mongolian Baiti"/>
+        <a:font script="Viet" typeface="Times New Roman"/>
+        <a:font script="Uigh" typeface="Microsoft Uighur"/>
+        <a:font script="Geor" typeface="Sylfaen"/>
+      </a:majorFont>
+      <a:minorFont>
+        <a:latin typeface="Calibri"/>
+        <a:ea typeface=""/>
+        <a:cs typeface=""/>
+        <a:font script="Jpan" typeface="ＭＳ Ｐゴシック"/>
+        <a:font script="Hang" typeface="맑은 고딕"/>
+        <a:font script="Hans" typeface="宋体"/>
+        <a:font script="Hant" typeface="新細明體"/>
+        <a:font script="Arab" typeface="Arial"/>
+        <a:font script="Hebr" typeface="Arial"/>
+        <a:font script="Thai" typeface="Cordia New"/>
+        <a:font script="Ethi" typeface="Nyala"/>
+        <a:font script="Beng" typeface="Vrinda"/>
+        <a:font script="Gujr" typeface="Shruti"/>
+        <a:font script="Khmr" typeface="DaunPenh"/>
+        <a:font script="Knda" typeface="Tunga"/>
+        <a:font script="Guru" typeface="Raavi"/>
+        <a:font script="Cans" typeface="Euphemia"/>
+        <a:font script="Cher" typeface="Plantagenet Cherokee"/>
+        <a:font script="Yiii" typeface="Microsoft Yi Baiti"/>
+        <a:font script="Tibt" typeface="Microsoft Himalaya"/>
+        <a:font script="Thaa" typeface="MV Boli"/>
+        <a:font script="Deva" typeface="Mangal"/>
+        <a:font script="Telu" typeface="Gautami"/>
+        <a:font script="Taml" typeface="Latha"/>
+        <a:font script="Syrc" typeface="Estrangelo Edessa"/>
+        <a:font script="Orya" typeface="Kalinga"/>
+        <a:font script="Mlym" typeface="Kartika"/>
+        <a:font script="Laoo" typeface="DokChampa"/>
+        <a:font script="Sinh" typeface="Iskoola Pota"/>
+        <a:font script="Mong" typeface="Mongolian Baiti"/>
+        <a:font script="Viet" typeface="Arial"/>
+        <a:font script="Uigh" typeface="Microsoft Uighur"/>
+        <a:font script="Geor" typeface="Sylfaen"/>
+      </a:minorFont>
+    </a:fontScheme>
+    <a:fmtScheme name="Office">
+      <a:fillStyleLst>
+        <a:solidFill>
+          <a:schemeClr val="phClr"/>
+        </a:solidFill>
+        <a:gradFill rotWithShape="1">
+          <a:gsLst>
+            <a:gs pos="0">
+              <a:schemeClr val="phClr">
+                <a:tint val="50000"/>
+                <a:satMod val="300000"/>
+              </a:schemeClr>
+            </a:gs>
+            <a:gs pos="35000">
+              <a:schemeClr val="phClr">
+                <a:tint val="37000"/>
+                <a:satMod val="300000"/>
+              </a:schemeClr>
+            </a:gs>
+            <a:gs pos="100000">
+              <a:schemeClr val="phClr">
+                <a:tint val="15000"/>
+                <a:satMod val="350000"/>
+              </a:schemeClr>
+            </a:gs>
+          </a:gsLst>
+          <a:lin ang="16200000" scaled="1"/>
+        </a:gradFill>
+        <a:gradFill rotWithShape="1">
+          <a:gsLst>
+            <a:gs pos="0">
+              <a:schemeClr val="phClr">
+                <a:tint val="100000"/>
+                <a:shade val="100000"/>
+                <a:satMod val="130000"/>
+              </a:schemeClr>
+            </a:gs>
+            <a:gs pos="100000">
+              <a:schemeClr val="phClr">
+                <a:tint val="50000"/>
+                <a:shade val="100000"/>
+                <a:satMod val="350000"/>
+              </a:schemeClr>
+            </a:gs>
+          </a:gsLst>
+          <a:lin ang="16200000" scaled="0"/>
+        </a:gradFill>
+      </a:fillStyleLst>
+      <a:lnStyleLst>
+        <a:ln w="9525" cap="flat" cmpd="sng" algn="ctr">
+          <a:solidFill>
+            <a:schemeClr val="phClr">
+              <a:shade val="95000"/>
+              <a:satMod val="105000"/>
+            </a:schemeClr>
+          </a:solidFill>
+          <a:prstDash val="solid"/>
+        </a:ln>
+        <a:ln w="25400" cap="flat" cmpd="sng" algn="ctr">
+          <a:solidFill>
+            <a:schemeClr val="phClr"/>
+          </a:solidFill>
+          <a:prstDash val="solid"/>
+        </a:ln>
+        <a:ln w="38100" cap="flat" cmpd="sng" algn="ctr">
+          <a:solidFill>
+            <a:schemeClr val="phClr"/>
+          </a:solidFill>
+          <a:prstDash val="solid"/>
+        </a:ln>
+      </a:lnStyleLst>
+      <a:effectStyleLst>
+        <a:effectStyle>
+          <a:effectLst>
+            <a:outerShdw blurRad="40000" dist="20000" dir="5400000" rotWithShape="0">
+              <a:srgbClr val="000000">
+                <a:alpha val="38000"/>
+              </a:srgbClr>
+            </a:outerShdw>
+          </a:effectLst>
+        </a:effectStyle>
+        <a:effectStyle>
+          <a:effectLst>
+            <a:outerShdw blurRad="40000" dist="23000" dir="5400000" rotWithShape="0">
+              <a:srgbClr val="000000">
+                <a:alpha val="35000"/>
+              </a:srgbClr>
+            </a:outerShdw>
+          </a:effectLst>
+        </a:effectStyle>
+        <a:effectStyle>
+          <a:effectLst>
+            <a:outerShdw blurRad="40000" dist="23000" dir="5400000" rotWithShape="0">
+              <a:srgbClr val="000000">
+                <a:alpha val="35000"/>
+              </a:srgbClr>
+            </a:outerShdw>
+          </a:effectLst>
+          <a:scene3d>
+            <a:camera prst="orthographicFront">
+              <a:rot lat="0" lon="0" rev="0"/>
+            </a:camera>
+            <a:lightRig rig="threePt" dir="t">
+              <a:rot lat="0" lon="0" rev="1200000"/>
+            </a:lightRig>
+          </a:scene3d>
+          <a:sp3d>
+            <a:bevelT w="63500" h="25400"/>
+          </a:sp3d>
+        </a:effectStyle>
+      </a:effectStyleLst>
+      <a:bgFillStyleLst>
+        <a:solidFill>
+          <a:schemeClr val="phClr"/>
+        </a:solidFill>
+        <a:gradFill rotWithShape="1">
+          <a:gsLst>
+            <a:gs pos="0">
+              <a:schemeClr val="phClr">
+                <a:tint val="40000"/>
+                <a:satMod val="350000"/>
+              </a:schemeClr>
+            </a:gs>
+            <a:gs pos="40000">
+              <a:schemeClr val="phClr">
+                <a:tint val="45000"/>
+                <a:shade val="99000"/>
+                <a:satMod val="350000"/>
+              </a:schemeClr>
+            </a:gs>
+            <a:gs pos="100000">
+              <a:schemeClr val="phClr">
+                <a:shade val="20000"/>
+                <a:satMod val="255000"/>
+              </a:schemeClr>
+            </a:gs>
+          </a:gsLst>
+          <a:path path="circle">
+            <a:fillToRect l="50000" t="-80000" r="50000" b="180000"/>
+          </a:path>
+        </a:gradFill>
+        <a:gradFill rotWithShape="1">
+          <a:gsLst>
+            <a:gs pos="0">
+              <a:schemeClr val="phClr">
+                <a:tint val="80000"/>
+                <a:satMod val="300000"/>
+              </a:schemeClr>
+            </a:gs>
+            <a:gs pos="100000">
+              <a:schemeClr val="phClr">
+                <a:shade val="30000"/>
+                <a:satMod val="200000"/>
+              </a:schemeClr>
+            </a:gs>
+          </a:gsLst>
+          <a:path path="circle">
+            <a:fillToRect l="50000" t="50000" r="50000" b="50000"/>
+          </a:path>
+        </a:gradFill>
+      </a:bgFillStyleLst>
+    </a:fmtScheme>
+  </a:themeElements>
+  <a:objectDefaults>
+    <a:spDef>
+      <a:spPr/>
+      <a:bodyPr/>
+      <a:lstStyle/>
+      <a:style>
+        <a:lnRef idx="1">
+          <a:schemeClr val="accent1"/>
+        </a:lnRef>
+        <a:fillRef idx="3">
+          <a:schemeClr val="accent1"/>
+        </a:fillRef>
+        <a:effectRef idx="2">
+          <a:schemeClr val="accent1"/>
+        </a:effectRef>
+        <a:fontRef idx="minor">
+          <a:schemeClr val="lt1"/>
+        </a:fontRef>
+      </a:style>
+    </a:spDef>
+    <a:lnDef>
+      <a:spPr/>
+      <a:bodyPr/>
+      <a:lstStyle/>
+      <a:style>
+        <a:lnRef idx="2">
+          <a:schemeClr val="accent1"/>
+        </a:lnRef>
+        <a:fillRef idx="0">
+          <a:schemeClr val="accent1"/>
+        </a:fillRef>
+        <a:effectRef idx="1">
+          <a:schemeClr val="accent1"/>
+        </a:effectRef>
+        <a:fontRef idx="minor">
+          <a:schemeClr val="tx1"/>
+        </a:fontRef>
+      </a:style>
+    </a:lnDef>
+  </a:objectDefaults>
+  <a:extraClrSchemeLst/>
+</a:theme>
 </file>
--- a/利用ログの形式.pptx
+++ b/利用ログの形式.pptx
@@ -114,7 +114,18 @@
   </p:defaultTextStyle>
   <p:extLst>
     <p:ext uri="{EFAFB233-063F-42B5-8137-9DF3F51BA10A}">
-      <p15:sldGuideLst xmlns:p15="http://schemas.microsoft.com/office/powerpoint/2012/main" xmlns=""/>
+      <p15:sldGuideLst xmlns:p15="http://schemas.microsoft.com/office/powerpoint/2012/main">
+        <p15:guide id="1" orient="horz" pos="2160">
+          <p15:clr>
+            <a:srgbClr val="A4A3A4"/>
+          </p15:clr>
+        </p15:guide>
+        <p15:guide id="2" pos="3840">
+          <p15:clr>
+            <a:srgbClr val="A4A3A4"/>
+          </p15:clr>
+        </p15:guide>
+      </p15:sldGuideLst>
     </p:ext>
   </p:extLst>
 </p:presentation>
@@ -3919,7 +3930,7 @@
   <p:timing>
     <p:tnLst>
       <p:par>
-        <p:cTn xmlns:p14="http://schemas.microsoft.com/office/powerpoint/2010/main" id="1" dur="indefinite" restart="never" nodeType="tmRoot"/>
+        <p:cTn id="1" dur="indefinite" restart="never" nodeType="tmRoot"/>
       </p:par>
     </p:tnLst>
   </p:timing>
@@ -3983,7 +3994,7 @@
         <p:spPr>
           <a:xfrm>
             <a:off x="838200" y="1335846"/>
-            <a:ext cx="9530687" cy="3970318"/>
+            <a:ext cx="9530687" cy="4401205"/>
           </a:xfrm>
           <a:prstGeom prst="rect">
             <a:avLst/>
@@ -4029,16 +4040,27 @@
           </a:p>
           <a:p>
             <a:r>
+              <a:rPr lang="en-US" altLang="ja-JP" sz="2800" dirty="0" smtClean="0"/>
+              <a:t>    category:&lt;</a:t>
+            </a:r>
+            <a:r>
+              <a:rPr lang="ja-JP" altLang="en-US" sz="2800" dirty="0" smtClean="0"/>
+              <a:t>ユーザの属性</a:t>
+            </a:r>
+            <a:r>
+              <a:rPr lang="en-US" altLang="ja-JP" sz="2800" smtClean="0"/>
+              <a:t>&gt;,</a:t>
+            </a:r>
+            <a:endParaRPr lang="en-US" altLang="ja-JP" sz="2800" dirty="0" smtClean="0"/>
+          </a:p>
+          <a:p>
+            <a:r>
               <a:rPr lang="en-US" altLang="ja-JP" sz="2800" dirty="0"/>
               <a:t> </a:t>
             </a:r>
             <a:r>
               <a:rPr lang="en-US" altLang="ja-JP" sz="2800" dirty="0" smtClean="0"/>
-              <a:t>   </a:t>
-            </a:r>
-            <a:r>
-              <a:rPr lang="en-US" altLang="ja-JP" sz="2800" dirty="0" smtClean="0"/>
-              <a:t>action:&lt;</a:t>
+              <a:t>   action:&lt;</a:t>
             </a:r>
             <a:r>
               <a:rPr lang="ja-JP" altLang="en-US" sz="2800" dirty="0" smtClean="0"/>
@@ -4099,11 +4121,7 @@
             </a:br>
             <a:r>
               <a:rPr lang="en-US" altLang="ja-JP" sz="2800" dirty="0" smtClean="0"/>
-              <a:t>    </a:t>
-            </a:r>
-            <a:r>
-              <a:rPr lang="en-US" altLang="ja-JP" sz="2800" dirty="0" smtClean="0"/>
-              <a:t>timestamp : &lt;</a:t>
+              <a:t>    timestamp : &lt;</a:t>
             </a:r>
             <a:r>
               <a:rPr lang="ja-JP" altLang="en-US" sz="2800" dirty="0" smtClean="0"/>
@@ -4152,7 +4170,7 @@
         <p:spPr>
           <a:xfrm>
             <a:off x="1624176" y="4549676"/>
-            <a:ext cx="4861234" cy="2585323"/>
+            <a:ext cx="4861234" cy="2862322"/>
           </a:xfrm>
           <a:prstGeom prst="rect">
             <a:avLst/>
@@ -4190,6 +4208,16 @@
             <a:r>
               <a:rPr lang="en-US" altLang="ja-JP" dirty="0" smtClean="0"/>
               <a:t>,</a:t>
+            </a:r>
+          </a:p>
+          <a:p>
+            <a:r>
+              <a:rPr kumimoji="1" lang="ja-JP" altLang="en-US" dirty="0"/>
+              <a:t>　</a:t>
+            </a:r>
+            <a:r>
+              <a:rPr kumimoji="1" lang="en-US" altLang="ja-JP" dirty="0" smtClean="0"/>
+              <a:t>category:1,</a:t>
             </a:r>
             <a:endParaRPr kumimoji="1" lang="en-US" altLang="ja-JP" dirty="0" smtClean="0"/>
           </a:p>
@@ -4287,7 +4315,7 @@
   <p:timing>
     <p:tnLst>
       <p:par>
-        <p:cTn xmlns:p14="http://schemas.microsoft.com/office/powerpoint/2010/main" id="1" dur="indefinite" restart="never" nodeType="tmRoot"/>
+        <p:cTn id="1" dur="indefinite" restart="never" nodeType="tmRoot"/>
       </p:par>
     </p:tnLst>
   </p:timing>
@@ -4783,11 +4811,7 @@
                       </a:r>
                       <a:r>
                         <a:rPr kumimoji="1" lang="ja-JP" altLang="en-US" dirty="0" smtClean="0"/>
-                        <a:t>切り替え先</a:t>
-                      </a:r>
-                      <a:r>
-                        <a:rPr kumimoji="1" lang="ja-JP" altLang="en-US" dirty="0" smtClean="0"/>
-                        <a:t>（</a:t>
+                        <a:t>切り替え先（</a:t>
                       </a:r>
                       <a:r>
                         <a:rPr kumimoji="1" lang="en-US" altLang="ja-JP" dirty="0" smtClean="0"/>
@@ -4824,7 +4848,7 @@
   <p:timing>
     <p:tnLst>
       <p:par>
-        <p:cTn xmlns:p14="http://schemas.microsoft.com/office/powerpoint/2010/main" id="1" dur="indefinite" restart="never" nodeType="tmRoot"/>
+        <p:cTn id="1" dur="indefinite" restart="never" nodeType="tmRoot"/>
       </p:par>
     </p:tnLst>
   </p:timing>
@@ -4909,11 +4933,7 @@
           <a:p>
             <a:r>
               <a:rPr lang="en-US" altLang="ja-JP" sz="2800" dirty="0" smtClean="0"/>
-              <a:t>    &lt;</a:t>
-            </a:r>
-            <a:r>
-              <a:rPr lang="en-US" altLang="ja-JP" sz="2800" dirty="0" smtClean="0"/>
-              <a:t>0</a:t>
+              <a:t>    &lt;0</a:t>
             </a:r>
             <a:r>
               <a:rPr lang="ja-JP" altLang="en-US" sz="2800" dirty="0" smtClean="0"/>
@@ -4921,13 +4941,8 @@
             </a:r>
             <a:r>
               <a:rPr lang="en-US" altLang="ja-JP" sz="2800" dirty="0" smtClean="0"/>
-              <a:t>JSON</a:t>
-            </a:r>
-            <a:r>
-              <a:rPr lang="en-US" altLang="ja-JP" sz="2800" dirty="0" smtClean="0"/>
-              <a:t>&gt;,</a:t>
-            </a:r>
-            <a:endParaRPr lang="en-US" altLang="ja-JP" sz="2800" dirty="0" smtClean="0"/>
+              <a:t>JSON&gt;,</a:t>
+            </a:r>
           </a:p>
           <a:p>
             <a:r>
@@ -4944,11 +4959,7 @@
             </a:r>
             <a:r>
               <a:rPr lang="en-US" altLang="ja-JP" sz="2800" dirty="0" smtClean="0"/>
-              <a:t>&lt;</a:t>
-            </a:r>
-            <a:r>
-              <a:rPr lang="en-US" altLang="ja-JP" sz="2800" dirty="0" smtClean="0"/>
-              <a:t>1</a:t>
+              <a:t>&lt;1</a:t>
             </a:r>
             <a:r>
               <a:rPr lang="ja-JP" altLang="en-US" sz="2800" dirty="0" smtClean="0"/>
@@ -4956,21 +4967,13 @@
             </a:r>
             <a:r>
               <a:rPr lang="en-US" altLang="ja-JP" sz="2800" dirty="0" smtClean="0"/>
-              <a:t>JSON</a:t>
-            </a:r>
+              <a:t>JSON&gt;,</a:t>
+            </a:r>
+          </a:p>
+          <a:p>
             <a:r>
               <a:rPr lang="en-US" altLang="ja-JP" sz="2800" dirty="0" smtClean="0"/>
-              <a:t>&gt;,</a:t>
-            </a:r>
-          </a:p>
-          <a:p>
-            <a:r>
-              <a:rPr lang="en-US" altLang="ja-JP" sz="2800" dirty="0" smtClean="0"/>
-              <a:t>   </a:t>
-            </a:r>
-            <a:r>
-              <a:rPr lang="en-US" altLang="ja-JP" sz="2800" dirty="0" smtClean="0"/>
-              <a:t>…</a:t>
+              <a:t>   …</a:t>
             </a:r>
           </a:p>
           <a:p>
@@ -4980,15 +4983,7 @@
             </a:r>
             <a:r>
               <a:rPr lang="en-US" altLang="ja-JP" sz="2800" dirty="0" smtClean="0"/>
-              <a:t>  </a:t>
-            </a:r>
-            <a:r>
-              <a:rPr lang="en-US" altLang="ja-JP" sz="2800" dirty="0" smtClean="0"/>
-              <a:t> &lt;</a:t>
-            </a:r>
-            <a:r>
-              <a:rPr lang="en-US" altLang="ja-JP" sz="2800" dirty="0" smtClean="0"/>
-              <a:t>n</a:t>
+              <a:t>   &lt;n</a:t>
             </a:r>
             <a:r>
               <a:rPr lang="ja-JP" altLang="en-US" sz="2800" dirty="0" smtClean="0"/>
@@ -4996,11 +4991,7 @@
             </a:r>
             <a:r>
               <a:rPr lang="en-US" altLang="ja-JP" sz="2800" dirty="0" smtClean="0"/>
-              <a:t>JSON</a:t>
-            </a:r>
-            <a:r>
-              <a:rPr lang="en-US" altLang="ja-JP" sz="2800" dirty="0" smtClean="0"/>
-              <a:t>&gt;</a:t>
+              <a:t>JSON&gt;</a:t>
             </a:r>
           </a:p>
           <a:p>
@@ -5036,7 +5027,7 @@
   <p:timing>
     <p:tnLst>
       <p:par>
-        <p:cTn xmlns:p14="http://schemas.microsoft.com/office/powerpoint/2010/main" id="1" dur="indefinite" restart="never" nodeType="tmRoot"/>
+        <p:cTn id="1" dur="indefinite" restart="never" nodeType="tmRoot"/>
       </p:par>
     </p:tnLst>
   </p:timing>
@@ -5143,15 +5134,7 @@
             </a:r>
             <a:r>
               <a:rPr lang="en-US" altLang="ja-JP" sz="2800" dirty="0" smtClean="0"/>
-              <a:t>1</a:t>
-            </a:r>
-            <a:r>
-              <a:rPr lang="en-US" altLang="ja-JP" sz="2800" dirty="0" smtClean="0"/>
-              <a:t>}</a:t>
-            </a:r>
-            <a:r>
-              <a:rPr lang="en-US" altLang="ja-JP" sz="2800" dirty="0" smtClean="0"/>
-              <a:t>,</a:t>
+              <a:t>1},</a:t>
             </a:r>
           </a:p>
           <a:p>
@@ -5162,11 +5145,7 @@
             </a:r>
             <a:r>
               <a:rPr lang="en-US" altLang="ja-JP" sz="2800" dirty="0" smtClean="0"/>
-              <a:t>   </a:t>
-            </a:r>
-            <a:r>
-              <a:rPr lang="en-US" altLang="ja-JP" sz="2800" dirty="0" smtClean="0"/>
-              <a:t>{</a:t>
+              <a:t>   {</a:t>
             </a:r>
             <a:r>
               <a:rPr lang="ja-JP" altLang="en-US" sz="2800" dirty="0" smtClean="0"/>
@@ -5174,15 +5153,7 @@
             </a:r>
             <a:r>
               <a:rPr lang="en-US" altLang="ja-JP" sz="2800" dirty="0" smtClean="0"/>
-              <a:t>2</a:t>
-            </a:r>
-            <a:r>
-              <a:rPr lang="en-US" altLang="ja-JP" sz="2800" dirty="0" smtClean="0"/>
-              <a:t>}</a:t>
-            </a:r>
-            <a:r>
-              <a:rPr lang="en-US" altLang="ja-JP" sz="2800" dirty="0" smtClean="0"/>
-              <a:t>,</a:t>
+              <a:t>2},</a:t>
             </a:r>
           </a:p>
           <a:p>
@@ -5193,11 +5164,7 @@
             </a:r>
             <a:r>
               <a:rPr lang="en-US" altLang="ja-JP" sz="2800" dirty="0" smtClean="0"/>
-              <a:t>   </a:t>
-            </a:r>
-            <a:r>
-              <a:rPr lang="en-US" altLang="ja-JP" sz="2800" dirty="0" smtClean="0"/>
-              <a:t>{</a:t>
+              <a:t>   {</a:t>
             </a:r>
             <a:r>
               <a:rPr lang="ja-JP" altLang="en-US" sz="2800" dirty="0" smtClean="0"/>
@@ -5236,7 +5203,7 @@
   <p:timing>
     <p:tnLst>
       <p:par>
-        <p:cTn xmlns:p14="http://schemas.microsoft.com/office/powerpoint/2010/main" id="1" dur="indefinite" restart="never" nodeType="tmRoot"/>
+        <p:cTn id="1" dur="indefinite" restart="never" nodeType="tmRoot"/>
       </p:par>
     </p:tnLst>
   </p:timing>
@@ -5363,7 +5330,6 @@
               <a:rPr lang="en-US" altLang="ja-JP" sz="2800" dirty="0" smtClean="0"/>
               <a:t>, data)</a:t>
             </a:r>
-            <a:endParaRPr lang="en-US" altLang="ja-JP" sz="2800" dirty="0" smtClean="0"/>
           </a:p>
           <a:p>
             <a:r>
@@ -5735,7 +5701,7 @@
   <a:extraClrSchemeLst/>
   <a:extLst>
     <a:ext uri="{05A4C25C-085E-4340-85A3-A5531E510DB2}">
-      <thm15:themeFamily xmlns:thm15="http://schemas.microsoft.com/office/thememl/2012/main" xmlns="" name="Office Theme" id="{62F939B6-93AF-4DB8-9C6B-D6C7DFDC589F}" vid="{4A3C46E8-61CC-4603-A589-7422A47A8E4A}"/>
+      <thm15:themeFamily xmlns:thm15="http://schemas.microsoft.com/office/thememl/2012/main" name="Office Theme" id="{62F939B6-93AF-4DB8-9C6B-D6C7DFDC589F}" vid="{4A3C46E8-61CC-4603-A589-7422A47A8E4A}"/>
     </a:ext>
   </a:extLst>
 </a:theme>

--- a/利用ログの形式.pptx
+++ b/利用ログの形式.pptx
@@ -11,8 +11,8 @@
     <p:sldId id="256" r:id="rId2"/>
     <p:sldId id="257" r:id="rId3"/>
     <p:sldId id="261" r:id="rId4"/>
-    <p:sldId id="259" r:id="rId5"/>
-    <p:sldId id="260" r:id="rId6"/>
+    <p:sldId id="262" r:id="rId5"/>
+    <p:sldId id="259" r:id="rId6"/>
     <p:sldId id="258" r:id="rId7"/>
   </p:sldIdLst>
   <p:sldSz cx="12192000" cy="6858000"/>
@@ -213,7 +213,7 @@
           <a:p>
             <a:fld id="{F364E872-068E-FF42-819D-F6AB146BF6BA}" type="datetimeFigureOut">
               <a:rPr kumimoji="1" lang="ja-JP" altLang="en-US" smtClean="0"/>
-              <a:t>2014/11/27</a:t>
+              <a:t>2014/12/10</a:t>
             </a:fld>
             <a:endParaRPr kumimoji="1" lang="ja-JP" altLang="en-US"/>
           </a:p>
@@ -728,7 +728,7 @@
           <a:p>
             <a:fld id="{242480C7-324A-4E5A-B3B7-E08DE76861B1}" type="datetimeFigureOut">
               <a:rPr kumimoji="1" lang="ja-JP" altLang="en-US" smtClean="0"/>
-              <a:t>2014/11/27</a:t>
+              <a:t>2014/12/10</a:t>
             </a:fld>
             <a:endParaRPr kumimoji="1" lang="ja-JP" altLang="en-US"/>
           </a:p>
@@ -930,7 +930,7 @@
           <a:p>
             <a:fld id="{242480C7-324A-4E5A-B3B7-E08DE76861B1}" type="datetimeFigureOut">
               <a:rPr kumimoji="1" lang="ja-JP" altLang="en-US" smtClean="0"/>
-              <a:t>2014/11/27</a:t>
+              <a:t>2014/12/10</a:t>
             </a:fld>
             <a:endParaRPr kumimoji="1" lang="ja-JP" altLang="en-US"/>
           </a:p>
@@ -1142,7 +1142,7 @@
           <a:p>
             <a:fld id="{242480C7-324A-4E5A-B3B7-E08DE76861B1}" type="datetimeFigureOut">
               <a:rPr kumimoji="1" lang="ja-JP" altLang="en-US" smtClean="0"/>
-              <a:t>2014/11/27</a:t>
+              <a:t>2014/12/10</a:t>
             </a:fld>
             <a:endParaRPr kumimoji="1" lang="ja-JP" altLang="en-US"/>
           </a:p>
@@ -1344,7 +1344,7 @@
           <a:p>
             <a:fld id="{242480C7-324A-4E5A-B3B7-E08DE76861B1}" type="datetimeFigureOut">
               <a:rPr kumimoji="1" lang="ja-JP" altLang="en-US" smtClean="0"/>
-              <a:t>2014/11/27</a:t>
+              <a:t>2014/12/10</a:t>
             </a:fld>
             <a:endParaRPr kumimoji="1" lang="ja-JP" altLang="en-US"/>
           </a:p>
@@ -1590,7 +1590,7 @@
           <a:p>
             <a:fld id="{242480C7-324A-4E5A-B3B7-E08DE76861B1}" type="datetimeFigureOut">
               <a:rPr kumimoji="1" lang="ja-JP" altLang="en-US" smtClean="0"/>
-              <a:t>2014/11/27</a:t>
+              <a:t>2014/12/10</a:t>
             </a:fld>
             <a:endParaRPr kumimoji="1" lang="ja-JP" altLang="en-US"/>
           </a:p>
@@ -1886,7 +1886,7 @@
           <a:p>
             <a:fld id="{242480C7-324A-4E5A-B3B7-E08DE76861B1}" type="datetimeFigureOut">
               <a:rPr kumimoji="1" lang="ja-JP" altLang="en-US" smtClean="0"/>
-              <a:t>2014/11/27</a:t>
+              <a:t>2014/12/10</a:t>
             </a:fld>
             <a:endParaRPr kumimoji="1" lang="ja-JP" altLang="en-US"/>
           </a:p>
@@ -2317,7 +2317,7 @@
           <a:p>
             <a:fld id="{242480C7-324A-4E5A-B3B7-E08DE76861B1}" type="datetimeFigureOut">
               <a:rPr kumimoji="1" lang="ja-JP" altLang="en-US" smtClean="0"/>
-              <a:t>2014/11/27</a:t>
+              <a:t>2014/12/10</a:t>
             </a:fld>
             <a:endParaRPr kumimoji="1" lang="ja-JP" altLang="en-US"/>
           </a:p>
@@ -2435,7 +2435,7 @@
           <a:p>
             <a:fld id="{242480C7-324A-4E5A-B3B7-E08DE76861B1}" type="datetimeFigureOut">
               <a:rPr kumimoji="1" lang="ja-JP" altLang="en-US" smtClean="0"/>
-              <a:t>2014/11/27</a:t>
+              <a:t>2014/12/10</a:t>
             </a:fld>
             <a:endParaRPr kumimoji="1" lang="ja-JP" altLang="en-US"/>
           </a:p>
@@ -2530,7 +2530,7 @@
           <a:p>
             <a:fld id="{242480C7-324A-4E5A-B3B7-E08DE76861B1}" type="datetimeFigureOut">
               <a:rPr kumimoji="1" lang="ja-JP" altLang="en-US" smtClean="0"/>
-              <a:t>2014/11/27</a:t>
+              <a:t>2014/12/10</a:t>
             </a:fld>
             <a:endParaRPr kumimoji="1" lang="ja-JP" altLang="en-US"/>
           </a:p>
@@ -2839,7 +2839,7 @@
           <a:p>
             <a:fld id="{242480C7-324A-4E5A-B3B7-E08DE76861B1}" type="datetimeFigureOut">
               <a:rPr kumimoji="1" lang="ja-JP" altLang="en-US" smtClean="0"/>
-              <a:t>2014/11/27</a:t>
+              <a:t>2014/12/10</a:t>
             </a:fld>
             <a:endParaRPr kumimoji="1" lang="ja-JP" altLang="en-US"/>
           </a:p>
@@ -3092,7 +3092,7 @@
           <a:p>
             <a:fld id="{242480C7-324A-4E5A-B3B7-E08DE76861B1}" type="datetimeFigureOut">
               <a:rPr kumimoji="1" lang="ja-JP" altLang="en-US" smtClean="0"/>
-              <a:t>2014/11/27</a:t>
+              <a:t>2014/12/10</a:t>
             </a:fld>
             <a:endParaRPr kumimoji="1" lang="ja-JP" altLang="en-US"/>
           </a:p>
@@ -3337,7 +3337,7 @@
           <a:p>
             <a:fld id="{242480C7-324A-4E5A-B3B7-E08DE76861B1}" type="datetimeFigureOut">
               <a:rPr kumimoji="1" lang="ja-JP" altLang="en-US" smtClean="0"/>
-              <a:t>2014/11/27</a:t>
+              <a:t>2014/12/10</a:t>
             </a:fld>
             <a:endParaRPr kumimoji="1" lang="ja-JP" altLang="en-US"/>
           </a:p>
@@ -3863,7 +3863,7 @@
         <p:spPr>
           <a:xfrm>
             <a:off x="838200" y="3016251"/>
-            <a:ext cx="9530687" cy="1815882"/>
+            <a:ext cx="9530687" cy="3108543"/>
           </a:xfrm>
           <a:prstGeom prst="rect">
             <a:avLst/>
@@ -3891,27 +3891,27 @@
               <a:rPr kumimoji="1" lang="en-US" altLang="ja-JP" sz="2800" dirty="0" smtClean="0"/>
               <a:t>Key : </a:t>
             </a:r>
+            <a:endParaRPr kumimoji="1" lang="en-US" altLang="ja-JP" sz="2800" dirty="0" smtClean="0"/>
+          </a:p>
+          <a:p>
             <a:r>
               <a:rPr lang="en-US" altLang="ja-JP" sz="2800" dirty="0" smtClean="0"/>
-              <a:t>23cfe9e6_1416903697682</a:t>
-            </a:r>
+              <a:t>7d0fada1afdd153d30e10844b89add41_1418173684149</a:t>
+            </a:r>
+            <a:endParaRPr kumimoji="1" lang="en-US" altLang="ja-JP" sz="2800" dirty="0"/>
           </a:p>
           <a:p>
             <a:r>
               <a:rPr kumimoji="1" lang="en-US" altLang="ja-JP" sz="2800" dirty="0" smtClean="0"/>
-              <a:t>Value : </a:t>
+              <a:t>Value </a:t>
+            </a:r>
+            <a:r>
+              <a:rPr kumimoji="1" lang="en-US" altLang="ja-JP" sz="2800" dirty="0" smtClean="0"/>
+              <a:t>: </a:t>
             </a:r>
             <a:r>
               <a:rPr lang="en-US" altLang="ja-JP" sz="2800" dirty="0"/>
-              <a:t>{"</a:t>
-            </a:r>
-            <a:r>
-              <a:rPr lang="en-US" altLang="ja-JP" sz="2800" dirty="0" err="1" smtClean="0"/>
-              <a:t>show_page</a:t>
-            </a:r>
-            <a:r>
-              <a:rPr lang="en-US" altLang="ja-JP" sz="2800" dirty="0"/>
-              <a:t>":"#posterListPage","timestamp":1416983148927}</a:t>
+              <a:t>{"uid":"7d0fada1afdd153d30e10844b89add41","category":"1","action":"poster_tap","attribute":{"posterid":9},"timestamp":1418173684149}</a:t>
             </a:r>
             <a:endParaRPr kumimoji="1" lang="ja-JP" altLang="en-US" sz="2800" dirty="0"/>
           </a:p>
@@ -4048,10 +4048,9 @@
               <a:t>ユーザの属性</a:t>
             </a:r>
             <a:r>
-              <a:rPr lang="en-US" altLang="ja-JP" sz="2800" smtClean="0"/>
+              <a:rPr lang="en-US" altLang="ja-JP" sz="2800" dirty="0" smtClean="0"/>
               <a:t>&gt;,</a:t>
             </a:r>
-            <a:endParaRPr lang="en-US" altLang="ja-JP" sz="2800" dirty="0" smtClean="0"/>
           </a:p>
           <a:p>
             <a:r>
@@ -4064,12 +4063,13 @@
             </a:r>
             <a:r>
               <a:rPr lang="ja-JP" altLang="en-US" sz="2800" dirty="0" smtClean="0"/>
-              <a:t>動作の名前</a:t>
+              <a:t>動作名</a:t>
             </a:r>
             <a:r>
               <a:rPr lang="en-US" altLang="ja-JP" sz="2800" dirty="0" smtClean="0"/>
               <a:t>&gt;,</a:t>
             </a:r>
+            <a:endParaRPr lang="en-US" altLang="ja-JP" sz="2800" dirty="0" smtClean="0"/>
           </a:p>
           <a:p>
             <a:r>
@@ -4110,7 +4110,15 @@
             </a:r>
             <a:r>
               <a:rPr lang="en-US" altLang="ja-JP" sz="2800" dirty="0" smtClean="0"/>
-              <a:t>  },</a:t>
+              <a:t>  </a:t>
+            </a:r>
+            <a:r>
+              <a:rPr lang="ja-JP" altLang="en-US" sz="2800" dirty="0"/>
+              <a:t> </a:t>
+            </a:r>
+            <a:r>
+              <a:rPr lang="en-US" altLang="ja-JP" sz="2800" dirty="0" smtClean="0"/>
+              <a:t>},</a:t>
             </a:r>
             <a:r>
               <a:rPr lang="en-US" altLang="ja-JP" sz="2800" dirty="0"/>
@@ -4169,7 +4177,7 @@
         </p:nvSpPr>
         <p:spPr>
           <a:xfrm>
-            <a:off x="1624176" y="4549676"/>
+            <a:off x="9338621" y="3845450"/>
             <a:ext cx="4861234" cy="2862322"/>
           </a:xfrm>
           <a:prstGeom prst="rect">
@@ -4219,7 +4227,6 @@
               <a:rPr kumimoji="1" lang="en-US" altLang="ja-JP" dirty="0" smtClean="0"/>
               <a:t>category:1,</a:t>
             </a:r>
-            <a:endParaRPr kumimoji="1" lang="en-US" altLang="ja-JP" dirty="0" smtClean="0"/>
           </a:p>
           <a:p>
             <a:r>
@@ -4375,14 +4382,14 @@
           <p:nvPr>
             <p:extLst>
               <p:ext uri="{D42A27DB-BD31-4B8C-83A1-F6EECF244321}">
-                <p14:modId xmlns:p14="http://schemas.microsoft.com/office/powerpoint/2010/main" val="1023904433"/>
+                <p14:modId xmlns:p14="http://schemas.microsoft.com/office/powerpoint/2010/main" val="1694774455"/>
               </p:ext>
             </p:extLst>
           </p:nvPr>
         </p:nvGraphicFramePr>
         <p:xfrm>
-          <a:off x="1091842" y="1690688"/>
-          <a:ext cx="9172620" cy="3774440"/>
+          <a:off x="538051" y="1458868"/>
+          <a:ext cx="11181723" cy="5173752"/>
         </p:xfrm>
         <a:graphic>
           <a:graphicData uri="http://schemas.openxmlformats.org/drawingml/2006/table">
@@ -4391,21 +4398,21 @@
                 <a:tableStyleId>{5C22544A-7EE6-4342-B048-85BDC9FD1C3A}</a:tableStyleId>
               </a:tblPr>
               <a:tblGrid>
-                <a:gridCol w="3057540"/>
-                <a:gridCol w="3057540"/>
-                <a:gridCol w="3057540"/>
+                <a:gridCol w="3727241"/>
+                <a:gridCol w="3727241"/>
+                <a:gridCol w="3727241"/>
               </a:tblGrid>
-              <a:tr h="370840">
+              <a:tr h="508323">
                 <a:tc>
                   <a:txBody>
                     <a:bodyPr/>
                     <a:lstStyle/>
                     <a:p>
                       <a:r>
-                        <a:rPr kumimoji="1" lang="ja-JP" altLang="en-US" dirty="0" smtClean="0"/>
+                        <a:rPr kumimoji="1" lang="ja-JP" altLang="en-US" sz="2400" dirty="0" smtClean="0"/>
                         <a:t>動作</a:t>
                       </a:r>
-                      <a:endParaRPr kumimoji="1" lang="ja-JP" altLang="en-US" dirty="0"/>
+                      <a:endParaRPr kumimoji="1" lang="ja-JP" altLang="en-US" sz="2400" dirty="0"/>
                     </a:p>
                   </a:txBody>
                   <a:tcPr/>
@@ -4416,10 +4423,10 @@
                     <a:lstStyle/>
                     <a:p>
                       <a:r>
-                        <a:rPr kumimoji="1" lang="ja-JP" altLang="en-US" dirty="0" smtClean="0"/>
+                        <a:rPr kumimoji="1" lang="ja-JP" altLang="en-US" sz="2400" dirty="0" smtClean="0"/>
                         <a:t>動作名</a:t>
                       </a:r>
-                      <a:endParaRPr kumimoji="1" lang="ja-JP" altLang="en-US" dirty="0"/>
+                      <a:endParaRPr kumimoji="1" lang="ja-JP" altLang="en-US" sz="2400" dirty="0"/>
                     </a:p>
                   </a:txBody>
                   <a:tcPr/>
@@ -4430,26 +4437,26 @@
                     <a:lstStyle/>
                     <a:p>
                       <a:r>
-                        <a:rPr kumimoji="1" lang="ja-JP" altLang="en-US" dirty="0" smtClean="0"/>
+                        <a:rPr kumimoji="1" lang="ja-JP" altLang="en-US" sz="2400" dirty="0" smtClean="0"/>
                         <a:t>内容</a:t>
                       </a:r>
-                      <a:endParaRPr kumimoji="1" lang="ja-JP" altLang="en-US" dirty="0"/>
+                      <a:endParaRPr kumimoji="1" lang="ja-JP" altLang="en-US" sz="2400" dirty="0"/>
                     </a:p>
                   </a:txBody>
                   <a:tcPr/>
                 </a:tc>
               </a:tr>
-              <a:tr h="370840">
+              <a:tr h="508323">
                 <a:tc>
                   <a:txBody>
                     <a:bodyPr/>
                     <a:lstStyle/>
                     <a:p>
                       <a:r>
-                        <a:rPr kumimoji="1" lang="ja-JP" altLang="en-US" dirty="0" smtClean="0"/>
+                        <a:rPr kumimoji="1" lang="ja-JP" altLang="en-US" sz="2400" dirty="0" smtClean="0"/>
                         <a:t>画面遷移</a:t>
                       </a:r>
-                      <a:endParaRPr kumimoji="1" lang="ja-JP" altLang="en-US" dirty="0"/>
+                      <a:endParaRPr kumimoji="1" lang="ja-JP" altLang="en-US" sz="2400" dirty="0"/>
                     </a:p>
                   </a:txBody>
                   <a:tcPr/>
@@ -4460,10 +4467,10 @@
                     <a:lstStyle/>
                     <a:p>
                       <a:r>
-                        <a:rPr kumimoji="1" lang="en-US" altLang="ja-JP" dirty="0" err="1" smtClean="0"/>
+                        <a:rPr kumimoji="1" lang="en-US" altLang="ja-JP" sz="2400" dirty="0" err="1" smtClean="0"/>
                         <a:t>show_page</a:t>
                       </a:r>
-                      <a:endParaRPr kumimoji="1" lang="ja-JP" altLang="en-US" dirty="0"/>
+                      <a:endParaRPr kumimoji="1" lang="ja-JP" altLang="en-US" sz="2400" dirty="0"/>
                     </a:p>
                   </a:txBody>
                   <a:tcPr/>
@@ -4474,30 +4481,30 @@
                     <a:lstStyle/>
                     <a:p>
                       <a:r>
-                        <a:rPr kumimoji="1" lang="en-US" altLang="ja-JP" dirty="0" smtClean="0"/>
+                        <a:rPr kumimoji="1" lang="en-US" altLang="ja-JP" sz="2400" dirty="0" smtClean="0"/>
                         <a:t>page:</a:t>
                       </a:r>
                       <a:r>
-                        <a:rPr kumimoji="1" lang="ja-JP" altLang="en-US" dirty="0" smtClean="0"/>
+                        <a:rPr kumimoji="1" lang="ja-JP" altLang="en-US" sz="2400" dirty="0" smtClean="0"/>
                         <a:t>ページ名</a:t>
                       </a:r>
-                      <a:endParaRPr kumimoji="1" lang="ja-JP" altLang="en-US" dirty="0"/>
+                      <a:endParaRPr kumimoji="1" lang="ja-JP" altLang="en-US" sz="2400" dirty="0"/>
                     </a:p>
                   </a:txBody>
                   <a:tcPr/>
                 </a:tc>
               </a:tr>
-              <a:tr h="370840">
+              <a:tr h="508323">
                 <a:tc>
                   <a:txBody>
                     <a:bodyPr/>
                     <a:lstStyle/>
                     <a:p>
                       <a:r>
-                        <a:rPr kumimoji="1" lang="ja-JP" altLang="en-US" dirty="0" smtClean="0"/>
+                        <a:rPr kumimoji="1" lang="ja-JP" altLang="en-US" sz="2400" dirty="0" smtClean="0"/>
                         <a:t>ポスタータップ</a:t>
                       </a:r>
-                      <a:endParaRPr kumimoji="1" lang="ja-JP" altLang="en-US" dirty="0"/>
+                      <a:endParaRPr kumimoji="1" lang="ja-JP" altLang="en-US" sz="2400" dirty="0"/>
                     </a:p>
                   </a:txBody>
                   <a:tcPr/>
@@ -4508,10 +4515,10 @@
                     <a:lstStyle/>
                     <a:p>
                       <a:r>
-                        <a:rPr kumimoji="1" lang="en-US" altLang="ja-JP" dirty="0" err="1" smtClean="0"/>
+                        <a:rPr kumimoji="1" lang="en-US" altLang="ja-JP" sz="2400" dirty="0" err="1" smtClean="0"/>
                         <a:t>poster_tap</a:t>
                       </a:r>
-                      <a:endParaRPr kumimoji="1" lang="ja-JP" altLang="en-US" dirty="0"/>
+                      <a:endParaRPr kumimoji="1" lang="ja-JP" altLang="en-US" sz="2400" dirty="0"/>
                     </a:p>
                   </a:txBody>
                   <a:tcPr/>
@@ -4522,38 +4529,38 @@
                     <a:lstStyle/>
                     <a:p>
                       <a:r>
-                        <a:rPr kumimoji="1" lang="en-US" altLang="ja-JP" dirty="0" err="1" smtClean="0"/>
-                        <a:t>Posterid</a:t>
+                        <a:rPr kumimoji="1" lang="en-US" altLang="ja-JP" sz="2400" dirty="0" err="1" smtClean="0"/>
+                        <a:t>posterid</a:t>
                       </a:r>
                       <a:r>
-                        <a:rPr kumimoji="1" lang="en-US" altLang="ja-JP" dirty="0" smtClean="0"/>
+                        <a:rPr kumimoji="1" lang="en-US" altLang="ja-JP" sz="2400" dirty="0" smtClean="0"/>
                         <a:t>:</a:t>
                       </a:r>
                       <a:r>
-                        <a:rPr kumimoji="1" lang="ja-JP" altLang="en-US" dirty="0" smtClean="0"/>
+                        <a:rPr kumimoji="1" lang="ja-JP" altLang="en-US" sz="2400" dirty="0" smtClean="0"/>
                         <a:t>ポスター</a:t>
                       </a:r>
                       <a:r>
-                        <a:rPr kumimoji="1" lang="en-US" altLang="ja-JP" dirty="0" smtClean="0"/>
+                        <a:rPr kumimoji="1" lang="en-US" altLang="ja-JP" sz="2400" dirty="0" smtClean="0"/>
                         <a:t>ID</a:t>
                       </a:r>
-                      <a:endParaRPr kumimoji="1" lang="ja-JP" altLang="en-US" dirty="0"/>
+                      <a:endParaRPr kumimoji="1" lang="ja-JP" altLang="en-US" sz="2400" dirty="0"/>
                     </a:p>
                   </a:txBody>
                   <a:tcPr/>
                 </a:tc>
               </a:tr>
-              <a:tr h="370840">
+              <a:tr h="508323">
                 <a:tc>
                   <a:txBody>
                     <a:bodyPr/>
                     <a:lstStyle/>
                     <a:p>
                       <a:r>
-                        <a:rPr kumimoji="1" lang="ja-JP" altLang="en-US" dirty="0" smtClean="0"/>
+                        <a:rPr kumimoji="1" lang="ja-JP" altLang="en-US" sz="2400" dirty="0" smtClean="0"/>
                         <a:t>基本情報タップ</a:t>
                       </a:r>
-                      <a:endParaRPr kumimoji="1" lang="ja-JP" altLang="en-US" dirty="0"/>
+                      <a:endParaRPr kumimoji="1" lang="ja-JP" altLang="en-US" sz="2400" dirty="0"/>
                     </a:p>
                   </a:txBody>
                   <a:tcPr/>
@@ -4564,10 +4571,10 @@
                     <a:lstStyle/>
                     <a:p>
                       <a:r>
-                        <a:rPr kumimoji="1" lang="en-US" altLang="ja-JP" dirty="0" err="1" smtClean="0"/>
+                        <a:rPr kumimoji="1" lang="en-US" altLang="ja-JP" sz="2400" dirty="0" err="1" smtClean="0"/>
                         <a:t>basicinfo_tap</a:t>
                       </a:r>
-                      <a:endParaRPr kumimoji="1" lang="ja-JP" altLang="en-US" dirty="0"/>
+                      <a:endParaRPr kumimoji="1" lang="ja-JP" altLang="en-US" sz="2400" dirty="0"/>
                     </a:p>
                   </a:txBody>
                   <a:tcPr/>
@@ -4578,34 +4585,38 @@
                     <a:lstStyle/>
                     <a:p>
                       <a:r>
-                        <a:rPr kumimoji="1" lang="en-US" altLang="ja-JP" dirty="0" err="1" smtClean="0"/>
-                        <a:t>Posterid:p</a:t>
+                        <a:rPr kumimoji="1" lang="en-US" altLang="ja-JP" sz="2400" dirty="0" err="1" smtClean="0"/>
+                        <a:t>posterid</a:t>
                       </a:r>
                       <a:r>
-                        <a:rPr kumimoji="1" lang="ja-JP" altLang="en-US" dirty="0" smtClean="0"/>
+                        <a:rPr kumimoji="1" lang="en-US" altLang="ja-JP" sz="2400" dirty="0" smtClean="0"/>
+                        <a:t>:</a:t>
+                      </a:r>
+                      <a:r>
+                        <a:rPr kumimoji="1" lang="ja-JP" altLang="en-US" sz="2400" dirty="0" smtClean="0"/>
                         <a:t>ポスター</a:t>
                       </a:r>
                       <a:r>
-                        <a:rPr kumimoji="1" lang="en-US" altLang="ja-JP" dirty="0" smtClean="0"/>
+                        <a:rPr kumimoji="1" lang="en-US" altLang="ja-JP" sz="2400" dirty="0" smtClean="0"/>
                         <a:t>ID</a:t>
                       </a:r>
-                      <a:endParaRPr kumimoji="1" lang="ja-JP" altLang="en-US" dirty="0"/>
+                      <a:endParaRPr kumimoji="1" lang="ja-JP" altLang="en-US" sz="2400" dirty="0"/>
                     </a:p>
                   </a:txBody>
                   <a:tcPr/>
                 </a:tc>
               </a:tr>
-              <a:tr h="370840">
+              <a:tr h="877379">
                 <a:tc>
                   <a:txBody>
                     <a:bodyPr/>
                     <a:lstStyle/>
                     <a:p>
                       <a:r>
-                        <a:rPr kumimoji="1" lang="ja-JP" altLang="en-US" dirty="0" smtClean="0"/>
+                        <a:rPr kumimoji="1" lang="ja-JP" altLang="en-US" sz="2400" dirty="0" smtClean="0"/>
                         <a:t>ブックマーク</a:t>
                       </a:r>
-                      <a:endParaRPr kumimoji="1" lang="ja-JP" altLang="en-US" dirty="0"/>
+                      <a:endParaRPr kumimoji="1" lang="ja-JP" altLang="en-US" sz="2400" dirty="0"/>
                     </a:p>
                   </a:txBody>
                   <a:tcPr/>
@@ -4616,10 +4627,10 @@
                     <a:lstStyle/>
                     <a:p>
                       <a:r>
-                        <a:rPr kumimoji="1" lang="en-US" altLang="ja-JP" dirty="0" smtClean="0"/>
+                        <a:rPr kumimoji="1" lang="en-US" altLang="ja-JP" sz="2400" dirty="0" smtClean="0"/>
                         <a:t>bookmark</a:t>
                       </a:r>
-                      <a:endParaRPr kumimoji="1" lang="ja-JP" altLang="en-US" dirty="0"/>
+                      <a:endParaRPr kumimoji="1" lang="ja-JP" altLang="en-US" sz="2400" dirty="0"/>
                     </a:p>
                   </a:txBody>
                   <a:tcPr/>
@@ -4630,44 +4641,44 @@
                     <a:lstStyle/>
                     <a:p>
                       <a:r>
-                        <a:rPr kumimoji="1" lang="en-US" altLang="ja-JP" dirty="0" err="1" smtClean="0"/>
+                        <a:rPr kumimoji="1" lang="en-US" altLang="ja-JP" sz="2400" dirty="0" err="1" smtClean="0"/>
                         <a:t>posterid</a:t>
                       </a:r>
                       <a:r>
-                        <a:rPr kumimoji="1" lang="ja-JP" altLang="en-US" dirty="0" smtClean="0"/>
+                        <a:rPr kumimoji="1" lang="ja-JP" altLang="en-US" sz="2400" dirty="0" smtClean="0"/>
                         <a:t>ポスター</a:t>
                       </a:r>
                       <a:r>
-                        <a:rPr kumimoji="1" lang="en-US" altLang="ja-JP" dirty="0" smtClean="0"/>
+                        <a:rPr kumimoji="1" lang="en-US" altLang="ja-JP" sz="2400" dirty="0" smtClean="0"/>
                         <a:t>ID, </a:t>
                       </a:r>
                     </a:p>
                     <a:p>
                       <a:r>
-                        <a:rPr kumimoji="1" lang="en-US" altLang="ja-JP" dirty="0" smtClean="0"/>
+                        <a:rPr kumimoji="1" lang="en-US" altLang="ja-JP" sz="2400" dirty="0" smtClean="0"/>
                         <a:t>page:</a:t>
                       </a:r>
                       <a:r>
-                        <a:rPr kumimoji="1" lang="ja-JP" altLang="en-US" dirty="0" smtClean="0"/>
+                        <a:rPr kumimoji="1" lang="ja-JP" altLang="en-US" sz="2400" dirty="0" smtClean="0"/>
                         <a:t>ページ名</a:t>
                       </a:r>
-                      <a:endParaRPr kumimoji="1" lang="en-US" altLang="ja-JP" dirty="0" smtClean="0"/>
+                      <a:endParaRPr kumimoji="1" lang="en-US" altLang="ja-JP" sz="2400" dirty="0" smtClean="0"/>
                     </a:p>
                   </a:txBody>
                   <a:tcPr/>
                 </a:tc>
               </a:tr>
-              <a:tr h="370840">
+              <a:tr h="877379">
                 <a:tc>
                   <a:txBody>
                     <a:bodyPr/>
                     <a:lstStyle/>
                     <a:p>
                       <a:r>
-                        <a:rPr kumimoji="1" lang="ja-JP" altLang="en-US" dirty="0" smtClean="0"/>
+                        <a:rPr kumimoji="1" lang="ja-JP" altLang="en-US" sz="2400" dirty="0" smtClean="0"/>
                         <a:t>ブックマーク解除</a:t>
                       </a:r>
-                      <a:endParaRPr kumimoji="1" lang="ja-JP" altLang="en-US" dirty="0"/>
+                      <a:endParaRPr kumimoji="1" lang="ja-JP" altLang="en-US" sz="2400" dirty="0"/>
                     </a:p>
                   </a:txBody>
                   <a:tcPr/>
@@ -4678,10 +4689,10 @@
                     <a:lstStyle/>
                     <a:p>
                       <a:r>
-                        <a:rPr kumimoji="1" lang="en-US" altLang="ja-JP" dirty="0" err="1" smtClean="0"/>
+                        <a:rPr kumimoji="1" lang="en-US" altLang="ja-JP" sz="2400" dirty="0" err="1" smtClean="0"/>
                         <a:t>unbookmark</a:t>
                       </a:r>
-                      <a:endParaRPr kumimoji="1" lang="ja-JP" altLang="en-US" dirty="0"/>
+                      <a:endParaRPr kumimoji="1" lang="ja-JP" altLang="en-US" sz="2400" dirty="0"/>
                     </a:p>
                   </a:txBody>
                   <a:tcPr/>
@@ -4692,48 +4703,48 @@
                     <a:lstStyle/>
                     <a:p>
                       <a:r>
-                        <a:rPr kumimoji="1" lang="en-US" altLang="ja-JP" dirty="0" err="1" smtClean="0"/>
-                        <a:t>Posterid</a:t>
+                        <a:rPr kumimoji="1" lang="en-US" altLang="ja-JP" sz="2400" dirty="0" err="1" smtClean="0"/>
+                        <a:t>posterid</a:t>
                       </a:r>
                       <a:r>
-                        <a:rPr kumimoji="1" lang="en-US" altLang="ja-JP" dirty="0" smtClean="0"/>
+                        <a:rPr kumimoji="1" lang="en-US" altLang="ja-JP" sz="2400" dirty="0" smtClean="0"/>
                         <a:t>:</a:t>
                       </a:r>
                       <a:r>
-                        <a:rPr kumimoji="1" lang="ja-JP" altLang="en-US" dirty="0" smtClean="0"/>
+                        <a:rPr kumimoji="1" lang="ja-JP" altLang="en-US" sz="2400" dirty="0" smtClean="0"/>
                         <a:t>ポスター</a:t>
                       </a:r>
                       <a:r>
-                        <a:rPr kumimoji="1" lang="en-US" altLang="ja-JP" dirty="0" smtClean="0"/>
+                        <a:rPr kumimoji="1" lang="en-US" altLang="ja-JP" sz="2400" dirty="0" smtClean="0"/>
                         <a:t>ID, </a:t>
                       </a:r>
                     </a:p>
                     <a:p>
                       <a:r>
-                        <a:rPr kumimoji="1" lang="en-US" altLang="ja-JP" dirty="0" smtClean="0"/>
+                        <a:rPr kumimoji="1" lang="en-US" altLang="ja-JP" sz="2400" dirty="0" smtClean="0"/>
                         <a:t>page:</a:t>
                       </a:r>
                       <a:r>
-                        <a:rPr kumimoji="1" lang="ja-JP" altLang="en-US" dirty="0" smtClean="0"/>
+                        <a:rPr kumimoji="1" lang="ja-JP" altLang="en-US" sz="2400" dirty="0" smtClean="0"/>
                         <a:t>ページ名</a:t>
                       </a:r>
-                      <a:endParaRPr kumimoji="1" lang="ja-JP" altLang="en-US" dirty="0"/>
+                      <a:endParaRPr kumimoji="1" lang="ja-JP" altLang="en-US" sz="2400" dirty="0"/>
                     </a:p>
                   </a:txBody>
                   <a:tcPr/>
                 </a:tc>
               </a:tr>
-              <a:tr h="370840">
+              <a:tr h="508323">
                 <a:tc>
                   <a:txBody>
                     <a:bodyPr/>
                     <a:lstStyle/>
                     <a:p>
                       <a:r>
-                        <a:rPr kumimoji="1" lang="ja-JP" altLang="en-US" dirty="0" smtClean="0"/>
+                        <a:rPr kumimoji="1" lang="ja-JP" altLang="en-US" sz="2400" dirty="0" smtClean="0"/>
                         <a:t>検索</a:t>
                       </a:r>
-                      <a:endParaRPr kumimoji="1" lang="ja-JP" altLang="en-US" dirty="0"/>
+                      <a:endParaRPr kumimoji="1" lang="ja-JP" altLang="en-US" sz="2400" dirty="0"/>
                     </a:p>
                   </a:txBody>
                   <a:tcPr/>
@@ -4744,10 +4755,10 @@
                     <a:lstStyle/>
                     <a:p>
                       <a:r>
-                        <a:rPr kumimoji="1" lang="en-US" altLang="ja-JP" dirty="0" smtClean="0"/>
+                        <a:rPr kumimoji="1" lang="en-US" altLang="ja-JP" sz="2400" dirty="0" smtClean="0"/>
                         <a:t>search</a:t>
                       </a:r>
-                      <a:endParaRPr kumimoji="1" lang="ja-JP" altLang="en-US" dirty="0"/>
+                      <a:endParaRPr kumimoji="1" lang="ja-JP" altLang="en-US" sz="2400" dirty="0"/>
                     </a:p>
                   </a:txBody>
                   <a:tcPr/>
@@ -4758,30 +4769,30 @@
                     <a:lstStyle/>
                     <a:p>
                       <a:r>
-                        <a:rPr kumimoji="1" lang="en-US" altLang="ja-JP" dirty="0" smtClean="0"/>
+                        <a:rPr kumimoji="1" lang="en-US" altLang="ja-JP" sz="2400" dirty="0" smtClean="0"/>
                         <a:t>keyword:</a:t>
                       </a:r>
                       <a:r>
-                        <a:rPr kumimoji="1" lang="ja-JP" altLang="en-US" dirty="0" smtClean="0"/>
+                        <a:rPr kumimoji="1" lang="ja-JP" altLang="en-US" sz="2400" dirty="0" smtClean="0"/>
                         <a:t>キーワード</a:t>
                       </a:r>
-                      <a:endParaRPr kumimoji="1" lang="ja-JP" altLang="en-US" dirty="0"/>
+                      <a:endParaRPr kumimoji="1" lang="ja-JP" altLang="en-US" sz="2400" dirty="0"/>
                     </a:p>
                   </a:txBody>
                   <a:tcPr/>
                 </a:tc>
               </a:tr>
-              <a:tr h="370840">
+              <a:tr h="877379">
                 <a:tc>
                   <a:txBody>
                     <a:bodyPr/>
                     <a:lstStyle/>
                     <a:p>
                       <a:r>
-                        <a:rPr kumimoji="1" lang="ja-JP" altLang="en-US" dirty="0" smtClean="0"/>
+                        <a:rPr kumimoji="1" lang="ja-JP" altLang="en-US" sz="2400" dirty="0" smtClean="0"/>
                         <a:t>ラベル切替</a:t>
                       </a:r>
-                      <a:endParaRPr kumimoji="1" lang="ja-JP" altLang="en-US" dirty="0"/>
+                      <a:endParaRPr kumimoji="1" lang="ja-JP" altLang="en-US" sz="2400" dirty="0"/>
                     </a:p>
                   </a:txBody>
                   <a:tcPr/>
@@ -4792,10 +4803,10 @@
                     <a:lstStyle/>
                     <a:p>
                       <a:r>
-                        <a:rPr kumimoji="1" lang="en-US" altLang="ja-JP" dirty="0" err="1" smtClean="0"/>
+                        <a:rPr kumimoji="1" lang="en-US" altLang="ja-JP" sz="2400" dirty="0" err="1" smtClean="0"/>
                         <a:t>change_label</a:t>
                       </a:r>
-                      <a:endParaRPr kumimoji="1" lang="ja-JP" altLang="en-US" dirty="0"/>
+                      <a:endParaRPr kumimoji="1" lang="ja-JP" altLang="en-US" sz="2400" dirty="0"/>
                     </a:p>
                   </a:txBody>
                   <a:tcPr/>
@@ -4806,26 +4817,30 @@
                     <a:lstStyle/>
                     <a:p>
                       <a:r>
-                        <a:rPr kumimoji="1" lang="en-US" altLang="ja-JP" dirty="0" smtClean="0"/>
-                        <a:t>Label:</a:t>
+                        <a:rPr kumimoji="1" lang="en-US" altLang="ja-JP" sz="2400" dirty="0" smtClean="0"/>
+                        <a:t>label</a:t>
                       </a:r>
                       <a:r>
-                        <a:rPr kumimoji="1" lang="ja-JP" altLang="en-US" dirty="0" smtClean="0"/>
+                        <a:rPr kumimoji="1" lang="en-US" altLang="ja-JP" sz="2400" dirty="0" smtClean="0"/>
+                        <a:t>:</a:t>
+                      </a:r>
+                      <a:r>
+                        <a:rPr kumimoji="1" lang="ja-JP" altLang="en-US" sz="2400" dirty="0" smtClean="0"/>
                         <a:t>切り替え先（</a:t>
                       </a:r>
                       <a:r>
-                        <a:rPr kumimoji="1" lang="en-US" altLang="ja-JP" dirty="0" smtClean="0"/>
+                        <a:rPr kumimoji="1" lang="en-US" altLang="ja-JP" sz="2400" dirty="0" smtClean="0"/>
                         <a:t>id, </a:t>
                       </a:r>
                       <a:r>
-                        <a:rPr kumimoji="1" lang="en-US" altLang="ja-JP" dirty="0" err="1" smtClean="0"/>
+                        <a:rPr kumimoji="1" lang="en-US" altLang="ja-JP" sz="2400" dirty="0" err="1" smtClean="0"/>
                         <a:t>sessionid</a:t>
                       </a:r>
                       <a:r>
-                        <a:rPr kumimoji="1" lang="ja-JP" altLang="en-US" dirty="0" smtClean="0"/>
+                        <a:rPr kumimoji="1" lang="ja-JP" altLang="en-US" sz="2400" dirty="0" smtClean="0"/>
                         <a:t>など）</a:t>
                       </a:r>
-                      <a:endParaRPr kumimoji="1" lang="ja-JP" altLang="en-US" dirty="0"/>
+                      <a:endParaRPr kumimoji="1" lang="ja-JP" altLang="en-US" sz="2400" dirty="0"/>
                     </a:p>
                   </a:txBody>
                   <a:tcPr/>
@@ -4889,148 +4904,156 @@
           <a:p>
             <a:r>
               <a:rPr kumimoji="1" lang="ja-JP" altLang="en-US" dirty="0" smtClean="0"/>
-              <a:t>送信する</a:t>
-            </a:r>
+              <a:t>ページ名</a:t>
+            </a:r>
+            <a:endParaRPr kumimoji="1" lang="ja-JP" altLang="en-US" dirty="0"/>
+          </a:p>
+        </p:txBody>
+      </p:sp>
+      <p:sp>
+        <p:nvSpPr>
+          <p:cNvPr id="3" name="コンテンツ プレースホルダー 2"/>
+          <p:cNvSpPr>
+            <a:spLocks noGrp="1"/>
+          </p:cNvSpPr>
+          <p:nvPr>
+            <p:ph idx="1"/>
+          </p:nvPr>
+        </p:nvSpPr>
+        <p:spPr/>
+        <p:txBody>
+          <a:bodyPr/>
+          <a:lstStyle/>
+          <a:p>
+            <a:r>
+              <a:rPr lang="en-US" altLang="ja-JP" dirty="0" smtClean="0"/>
+              <a:t>#</a:t>
+            </a:r>
+            <a:r>
+              <a:rPr lang="en-US" altLang="ja-JP" dirty="0" err="1" smtClean="0"/>
+              <a:t>topPage</a:t>
+            </a:r>
+            <a:r>
+              <a:rPr lang="en-US" altLang="ja-JP" dirty="0" smtClean="0"/>
+              <a:t> : </a:t>
+            </a:r>
+            <a:r>
+              <a:rPr lang="ja-JP" altLang="en-US" dirty="0" smtClean="0"/>
+              <a:t>トップページ</a:t>
+            </a:r>
+            <a:endParaRPr lang="en-US" altLang="ja-JP" dirty="0" smtClean="0"/>
+          </a:p>
+          <a:p>
             <a:r>
               <a:rPr kumimoji="1" lang="en-US" altLang="ja-JP" dirty="0" smtClean="0"/>
-              <a:t>JSON</a:t>
+              <a:t>#</a:t>
+            </a:r>
+            <a:r>
+              <a:rPr kumimoji="1" lang="en-US" altLang="ja-JP" dirty="0" err="1" smtClean="0"/>
+              <a:t>posterMapPage</a:t>
+            </a:r>
+            <a:r>
+              <a:rPr kumimoji="1" lang="en-US" altLang="ja-JP" dirty="0" smtClean="0"/>
+              <a:t> : </a:t>
             </a:r>
             <a:r>
               <a:rPr kumimoji="1" lang="ja-JP" altLang="en-US" dirty="0" smtClean="0"/>
-              <a:t>の形式</a:t>
-            </a:r>
-            <a:endParaRPr kumimoji="1" lang="ja-JP" altLang="en-US" dirty="0"/>
-          </a:p>
-        </p:txBody>
-      </p:sp>
-      <p:sp>
-        <p:nvSpPr>
-          <p:cNvPr id="3" name="テキスト ボックス 2"/>
-          <p:cNvSpPr txBox="1"/>
-          <p:nvPr/>
-        </p:nvSpPr>
-        <p:spPr>
-          <a:xfrm>
-            <a:off x="838200" y="1335846"/>
-            <a:ext cx="9530687" cy="3108544"/>
-          </a:xfrm>
-          <a:prstGeom prst="rect">
-            <a:avLst/>
-          </a:prstGeom>
-          <a:noFill/>
-        </p:spPr>
-        <p:txBody>
-          <a:bodyPr wrap="square" rtlCol="0">
-            <a:spAutoFit/>
-          </a:bodyPr>
-          <a:lstStyle/>
-          <a:p>
-            <a:r>
-              <a:rPr lang="en-US" altLang="ja-JP" sz="2800" dirty="0" smtClean="0"/>
-              <a:t>   [</a:t>
-            </a:r>
-          </a:p>
-          <a:p>
-            <a:r>
-              <a:rPr lang="en-US" altLang="ja-JP" sz="2800" dirty="0" smtClean="0"/>
-              <a:t>    &lt;0</a:t>
-            </a:r>
-            <a:r>
-              <a:rPr lang="ja-JP" altLang="en-US" sz="2800" dirty="0" smtClean="0"/>
-              <a:t>番目のログデータの</a:t>
-            </a:r>
-            <a:r>
-              <a:rPr lang="en-US" altLang="ja-JP" sz="2800" dirty="0" smtClean="0"/>
-              <a:t>JSON&gt;,</a:t>
-            </a:r>
-          </a:p>
-          <a:p>
-            <a:r>
-              <a:rPr lang="en-US" altLang="ja-JP" sz="2800" dirty="0"/>
+              <a:t>ポスターマップ画面</a:t>
+            </a:r>
+            <a:endParaRPr kumimoji="1" lang="en-US" altLang="ja-JP" dirty="0" smtClean="0"/>
+          </a:p>
+          <a:p>
+            <a:r>
+              <a:rPr lang="en-US" altLang="ja-JP" dirty="0" smtClean="0"/>
+              <a:t>#</a:t>
+            </a:r>
+            <a:r>
+              <a:rPr lang="en-US" altLang="ja-JP" dirty="0" err="1" smtClean="0"/>
+              <a:t>posterListPage</a:t>
+            </a:r>
+            <a:r>
+              <a:rPr lang="en-US" altLang="ja-JP" dirty="0" smtClean="0"/>
+              <a:t> : </a:t>
+            </a:r>
+            <a:r>
+              <a:rPr lang="ja-JP" altLang="en-US" dirty="0" smtClean="0"/>
+              <a:t>ポスターリスト画面</a:t>
+            </a:r>
+            <a:endParaRPr lang="en-US" altLang="ja-JP" dirty="0" smtClean="0"/>
+          </a:p>
+          <a:p>
+            <a:r>
+              <a:rPr lang="en-US" altLang="ja-JP" dirty="0" smtClean="0"/>
+              <a:t>#</a:t>
+            </a:r>
+            <a:r>
+              <a:rPr lang="en-US" altLang="ja-JP" dirty="0" err="1" smtClean="0"/>
+              <a:t>bookmarkListPage</a:t>
+            </a:r>
+            <a:r>
+              <a:rPr lang="en-US" altLang="ja-JP" dirty="0" smtClean="0"/>
+              <a:t> : </a:t>
+            </a:r>
+            <a:r>
+              <a:rPr lang="ja-JP" altLang="en-US" dirty="0" smtClean="0"/>
+              <a:t>ブックマークリスト画面</a:t>
+            </a:r>
+            <a:endParaRPr lang="en-US" altLang="ja-JP" dirty="0" smtClean="0"/>
+          </a:p>
+          <a:p>
+            <a:r>
+              <a:rPr kumimoji="1" lang="en-US" altLang="ja-JP" dirty="0" smtClean="0"/>
+              <a:t>#</a:t>
+            </a:r>
+            <a:r>
+              <a:rPr kumimoji="1" lang="en-US" altLang="ja-JP" dirty="0" err="1" smtClean="0"/>
+              <a:t>informationPage</a:t>
+            </a:r>
+            <a:r>
+              <a:rPr kumimoji="1" lang="en-US" altLang="ja-JP" dirty="0" smtClean="0"/>
+              <a:t> :</a:t>
+            </a:r>
+            <a:r>
+              <a:rPr lang="ja-JP" altLang="en-US" dirty="0"/>
               <a:t> </a:t>
             </a:r>
             <a:r>
-              <a:rPr lang="en-US" altLang="ja-JP" sz="2800" dirty="0" smtClean="0"/>
-              <a:t>  </a:t>
-            </a:r>
-            <a:r>
-              <a:rPr lang="en-US" altLang="ja-JP" sz="2800" dirty="0"/>
-              <a:t> </a:t>
-            </a:r>
-            <a:r>
-              <a:rPr lang="en-US" altLang="ja-JP" sz="2800" dirty="0" smtClean="0"/>
-              <a:t>&lt;1</a:t>
-            </a:r>
-            <a:r>
-              <a:rPr lang="ja-JP" altLang="en-US" sz="2800" dirty="0" smtClean="0"/>
-              <a:t>番目のログデータの</a:t>
-            </a:r>
-            <a:r>
-              <a:rPr lang="en-US" altLang="ja-JP" sz="2800" dirty="0" smtClean="0"/>
-              <a:t>JSON&gt;,</a:t>
-            </a:r>
-          </a:p>
-          <a:p>
-            <a:r>
-              <a:rPr lang="en-US" altLang="ja-JP" sz="2800" dirty="0" smtClean="0"/>
-              <a:t>   …</a:t>
-            </a:r>
-          </a:p>
-          <a:p>
-            <a:r>
-              <a:rPr lang="en-US" altLang="ja-JP" sz="2800" dirty="0"/>
-              <a:t> </a:t>
-            </a:r>
-            <a:r>
-              <a:rPr lang="en-US" altLang="ja-JP" sz="2800" dirty="0" smtClean="0"/>
-              <a:t>   &lt;n</a:t>
-            </a:r>
-            <a:r>
-              <a:rPr lang="ja-JP" altLang="en-US" sz="2800" dirty="0" smtClean="0"/>
-              <a:t>番目のログデータの</a:t>
-            </a:r>
-            <a:r>
-              <a:rPr lang="en-US" altLang="ja-JP" sz="2800" dirty="0" smtClean="0"/>
-              <a:t>JSON&gt;</a:t>
-            </a:r>
-          </a:p>
-          <a:p>
-            <a:r>
-              <a:rPr lang="en-US" altLang="ja-JP" sz="2800" dirty="0" smtClean="0"/>
-              <a:t>]</a:t>
-            </a:r>
-            <a:endParaRPr kumimoji="1" lang="en-US" altLang="ja-JP" sz="2800" dirty="0" smtClean="0"/>
-          </a:p>
-          <a:p>
-            <a:r>
-              <a:rPr lang="en-US" altLang="ja-JP" sz="2800" dirty="0"/>
-              <a:t> </a:t>
-            </a:r>
-            <a:r>
-              <a:rPr lang="en-US" altLang="ja-JP" sz="2800" dirty="0" smtClean="0"/>
-              <a:t> </a:t>
-            </a:r>
-            <a:endParaRPr kumimoji="1" lang="ja-JP" altLang="en-US" sz="2800" dirty="0"/>
+              <a:rPr lang="ja-JP" altLang="en-US" dirty="0" smtClean="0"/>
+              <a:t>情報画面</a:t>
+            </a:r>
+            <a:endParaRPr lang="en-US" altLang="ja-JP" dirty="0" smtClean="0"/>
+          </a:p>
+          <a:p>
+            <a:r>
+              <a:rPr kumimoji="1" lang="en-US" altLang="ja-JP" dirty="0" smtClean="0"/>
+              <a:t>#</a:t>
+            </a:r>
+            <a:r>
+              <a:rPr kumimoji="1" lang="en-US" altLang="ja-JP" dirty="0" err="1" smtClean="0"/>
+              <a:t>detailPage</a:t>
+            </a:r>
+            <a:r>
+              <a:rPr kumimoji="1" lang="en-US" altLang="ja-JP" dirty="0" smtClean="0"/>
+              <a:t> : </a:t>
+            </a:r>
+            <a:r>
+              <a:rPr kumimoji="1" lang="ja-JP" altLang="en-US" dirty="0" smtClean="0"/>
+              <a:t>詳細情報画面</a:t>
+            </a:r>
+            <a:endParaRPr kumimoji="1" lang="en-US" altLang="ja-JP" dirty="0" smtClean="0"/>
           </a:p>
         </p:txBody>
       </p:sp>
     </p:spTree>
     <p:extLst>
       <p:ext uri="{BB962C8B-B14F-4D97-AF65-F5344CB8AC3E}">
-        <p14:creationId xmlns:p14="http://schemas.microsoft.com/office/powerpoint/2010/main" val="22523034"/>
+        <p14:creationId xmlns:p14="http://schemas.microsoft.com/office/powerpoint/2010/main" val="1255523787"/>
       </p:ext>
     </p:extLst>
   </p:cSld>
   <p:clrMapOvr>
     <a:masterClrMapping/>
   </p:clrMapOvr>
-  <p:timing>
-    <p:tnLst>
-      <p:par>
-        <p:cTn id="1" dur="indefinite" restart="never" nodeType="tmRoot"/>
-      </p:par>
-    </p:tnLst>
-  </p:timing>
 </p:sld>
 </file>
 
@@ -5091,7 +5114,7 @@
         <p:spPr>
           <a:xfrm>
             <a:off x="838200" y="1335846"/>
-            <a:ext cx="11526672" cy="2677656"/>
+            <a:ext cx="9530687" cy="4401205"/>
           </a:xfrm>
           <a:prstGeom prst="rect">
             <a:avLst/>
@@ -5104,96 +5127,162 @@
           </a:bodyPr>
           <a:lstStyle/>
           <a:p>
-            <a:pPr algn="just"/>
-            <a:r>
-              <a:rPr lang="ja-JP" altLang="en-US" sz="2800" dirty="0"/>
-              <a:t>例</a:t>
-            </a:r>
-            <a:endParaRPr kumimoji="1" lang="en-US" altLang="ja-JP" sz="2800" dirty="0" smtClean="0"/>
-          </a:p>
-          <a:p>
-            <a:pPr algn="just"/>
             <a:r>
               <a:rPr lang="en-US" altLang="ja-JP" sz="2800" dirty="0" smtClean="0"/>
-              <a:t>[</a:t>
-            </a:r>
-          </a:p>
-          <a:p>
-            <a:pPr algn="just"/>
+              <a:t>{</a:t>
+            </a:r>
+          </a:p>
+          <a:p>
+            <a:r>
+              <a:rPr lang="en-US" altLang="ja-JP" sz="2800" dirty="0" smtClean="0"/>
+              <a:t>    </a:t>
+            </a:r>
+            <a:r>
+              <a:rPr lang="en-US" altLang="ja-JP" sz="2800" dirty="0" err="1" smtClean="0"/>
+              <a:t>uid</a:t>
+            </a:r>
+            <a:r>
+              <a:rPr lang="en-US" altLang="ja-JP" sz="2800" dirty="0" smtClean="0"/>
+              <a:t>:&lt;</a:t>
+            </a:r>
+            <a:r>
+              <a:rPr lang="ja-JP" altLang="en-US" sz="2800" dirty="0" smtClean="0"/>
+              <a:t>個別識別</a:t>
+            </a:r>
+            <a:r>
+              <a:rPr lang="en-US" altLang="ja-JP" sz="2800" dirty="0" smtClean="0"/>
+              <a:t>ID&gt;,</a:t>
+            </a:r>
+          </a:p>
+          <a:p>
             <a:r>
               <a:rPr lang="en-US" altLang="ja-JP" sz="2800" dirty="0"/>
               <a:t> </a:t>
             </a:r>
             <a:r>
               <a:rPr lang="en-US" altLang="ja-JP" sz="2800" dirty="0" smtClean="0"/>
-              <a:t>   {</a:t>
-            </a:r>
-            <a:r>
-              <a:rPr lang="ja-JP" altLang="en-US" sz="2800" dirty="0" smtClean="0"/>
-              <a:t>ログ</a:t>
+              <a:t>   </a:t>
+            </a:r>
+            <a:r>
+              <a:rPr lang="en-US" altLang="ja-JP" sz="2800" dirty="0" err="1" smtClean="0"/>
+              <a:t>logdata</a:t>
             </a:r>
             <a:r>
               <a:rPr lang="en-US" altLang="ja-JP" sz="2800" dirty="0" smtClean="0"/>
-              <a:t>1},</a:t>
-            </a:r>
-          </a:p>
-          <a:p>
-            <a:pPr algn="just"/>
+              <a:t>:</a:t>
+            </a:r>
+          </a:p>
+          <a:p>
             <a:r>
               <a:rPr lang="en-US" altLang="ja-JP" sz="2800" dirty="0"/>
               <a:t> </a:t>
             </a:r>
             <a:r>
               <a:rPr lang="en-US" altLang="ja-JP" sz="2800" dirty="0" smtClean="0"/>
-              <a:t>   {</a:t>
-            </a:r>
-            <a:r>
-              <a:rPr lang="ja-JP" altLang="en-US" sz="2800" dirty="0" smtClean="0"/>
-              <a:t>ログ</a:t>
-            </a:r>
-            <a:r>
-              <a:rPr lang="en-US" altLang="ja-JP" sz="2800" dirty="0" smtClean="0"/>
-              <a:t>2},</a:t>
-            </a:r>
-          </a:p>
-          <a:p>
-            <a:pPr algn="just"/>
+              <a:t>       [</a:t>
+            </a:r>
+          </a:p>
+          <a:p>
             <a:r>
               <a:rPr lang="en-US" altLang="ja-JP" sz="2800" dirty="0"/>
               <a:t> </a:t>
             </a:r>
             <a:r>
               <a:rPr lang="en-US" altLang="ja-JP" sz="2800" dirty="0" smtClean="0"/>
-              <a:t>   {</a:t>
-            </a:r>
-            <a:r>
-              <a:rPr lang="ja-JP" altLang="en-US" sz="2800" dirty="0" smtClean="0"/>
-              <a:t>ログ</a:t>
-            </a:r>
-            <a:r>
-              <a:rPr lang="en-US" altLang="ja-JP" sz="2800"/>
-              <a:t>3</a:t>
-            </a:r>
-            <a:r>
-              <a:rPr lang="en-US" altLang="ja-JP" sz="2800" smtClean="0"/>
+              <a:t>           &lt;</a:t>
+            </a:r>
+            <a:r>
+              <a:rPr lang="en-US" altLang="ja-JP" sz="2800" dirty="0"/>
+              <a:t>0</a:t>
+            </a:r>
+            <a:r>
+              <a:rPr lang="ja-JP" altLang="en-US" sz="2800" dirty="0"/>
+              <a:t>番目のログデータの</a:t>
+            </a:r>
+            <a:r>
+              <a:rPr lang="en-US" altLang="ja-JP" sz="2800" dirty="0"/>
+              <a:t>JSON&gt;,</a:t>
+            </a:r>
+          </a:p>
+          <a:p>
+            <a:r>
+              <a:rPr lang="en-US" altLang="ja-JP" sz="2800" dirty="0"/>
+              <a:t>    </a:t>
+            </a:r>
+            <a:r>
+              <a:rPr lang="en-US" altLang="ja-JP" sz="2800" dirty="0" smtClean="0"/>
+              <a:t>        &lt;</a:t>
+            </a:r>
+            <a:r>
+              <a:rPr lang="en-US" altLang="ja-JP" sz="2800" dirty="0"/>
+              <a:t>1</a:t>
+            </a:r>
+            <a:r>
+              <a:rPr lang="ja-JP" altLang="en-US" sz="2800" dirty="0"/>
+              <a:t>番目のログデータの</a:t>
+            </a:r>
+            <a:r>
+              <a:rPr lang="en-US" altLang="ja-JP" sz="2800" dirty="0"/>
+              <a:t>JSON&gt;,</a:t>
+            </a:r>
+          </a:p>
+          <a:p>
+            <a:r>
+              <a:rPr lang="en-US" altLang="ja-JP" sz="2800" dirty="0"/>
+              <a:t>   </a:t>
+            </a:r>
+            <a:r>
+              <a:rPr lang="en-US" altLang="ja-JP" sz="2800" dirty="0" smtClean="0"/>
+              <a:t>         …</a:t>
+            </a:r>
+            <a:endParaRPr lang="en-US" altLang="ja-JP" sz="2800" dirty="0"/>
+          </a:p>
+          <a:p>
+            <a:r>
+              <a:rPr lang="en-US" altLang="ja-JP" sz="2800" dirty="0"/>
+              <a:t>    </a:t>
+            </a:r>
+            <a:r>
+              <a:rPr lang="en-US" altLang="ja-JP" sz="2800" dirty="0" smtClean="0"/>
+              <a:t>        &lt;</a:t>
+            </a:r>
+            <a:r>
+              <a:rPr lang="en-US" altLang="ja-JP" sz="2800" dirty="0"/>
+              <a:t>n</a:t>
+            </a:r>
+            <a:r>
+              <a:rPr lang="ja-JP" altLang="en-US" sz="2800" dirty="0"/>
+              <a:t>番目のログデータの</a:t>
+            </a:r>
+            <a:r>
+              <a:rPr lang="en-US" altLang="ja-JP" sz="2800" dirty="0"/>
+              <a:t>JSON&gt;</a:t>
+            </a:r>
+          </a:p>
+          <a:p>
+            <a:r>
+              <a:rPr lang="en-US" altLang="ja-JP" sz="2800" dirty="0" smtClean="0"/>
+              <a:t>        ]</a:t>
+            </a:r>
+            <a:endParaRPr lang="en-US" altLang="ja-JP" sz="2800" dirty="0" smtClean="0"/>
+          </a:p>
+          <a:p>
+            <a:r>
+              <a:rPr lang="en-US" altLang="ja-JP" sz="2800" dirty="0"/>
               <a:t>}</a:t>
             </a:r>
-            <a:endParaRPr lang="en-US" altLang="ja-JP" sz="2800" dirty="0" smtClean="0"/>
-          </a:p>
-          <a:p>
-            <a:pPr algn="just"/>
-            <a:r>
-              <a:rPr lang="en-US" altLang="ja-JP" sz="2800" dirty="0"/>
-              <a:t>]</a:t>
-            </a:r>
-            <a:endParaRPr lang="en-US" altLang="ja-JP" sz="2800" dirty="0" smtClean="0"/>
+            <a:r>
+              <a:rPr lang="en-US" altLang="ja-JP" sz="2800" dirty="0" smtClean="0"/>
+              <a:t>     </a:t>
+            </a:r>
+            <a:endParaRPr kumimoji="1" lang="ja-JP" altLang="en-US" sz="2800" dirty="0"/>
           </a:p>
         </p:txBody>
       </p:sp>
     </p:spTree>
     <p:extLst>
       <p:ext uri="{BB962C8B-B14F-4D97-AF65-F5344CB8AC3E}">
-        <p14:creationId xmlns:p14="http://schemas.microsoft.com/office/powerpoint/2010/main" val="3855482799"/>
+        <p14:creationId xmlns:p14="http://schemas.microsoft.com/office/powerpoint/2010/main" val="22523034"/>
       </p:ext>
     </p:extLst>
   </p:cSld>
@@ -5267,7 +5356,7 @@
         <p:spPr>
           <a:xfrm>
             <a:off x="763498" y="1864307"/>
-            <a:ext cx="9530687" cy="3108544"/>
+            <a:ext cx="11123702" cy="3108543"/>
           </a:xfrm>
           <a:prstGeom prst="rect">
             <a:avLst/>
@@ -5328,7 +5417,15 @@
             </a:r>
             <a:r>
               <a:rPr lang="en-US" altLang="ja-JP" sz="2800" dirty="0" smtClean="0"/>
-              <a:t>, data)</a:t>
+              <a:t>, </a:t>
+            </a:r>
+            <a:r>
+              <a:rPr lang="en-US" altLang="ja-JP" sz="2800" dirty="0" smtClean="0"/>
+              <a:t>timestamp, data</a:t>
+            </a:r>
+            <a:r>
+              <a:rPr lang="en-US" altLang="ja-JP" sz="2800" dirty="0" smtClean="0"/>
+              <a:t>)</a:t>
             </a:r>
           </a:p>
           <a:p>
@@ -5375,6 +5472,32 @@
               <a:rPr lang="en-US" altLang="ja-JP" sz="2800" dirty="0" smtClean="0"/>
               <a:t>ID</a:t>
             </a:r>
+          </a:p>
+          <a:p>
+            <a:r>
+              <a:rPr lang="en-US" altLang="ja-JP" sz="2800" dirty="0"/>
+              <a:t> </a:t>
+            </a:r>
+            <a:r>
+              <a:rPr lang="en-US" altLang="ja-JP" sz="2800" dirty="0" smtClean="0"/>
+              <a:t> timestamp : VARCHAR data</a:t>
+            </a:r>
+            <a:r>
+              <a:rPr lang="ja-JP" altLang="en-US" sz="2800" dirty="0" smtClean="0"/>
+              <a:t>の中にある</a:t>
+            </a:r>
+            <a:r>
+              <a:rPr lang="en-US" altLang="ja-JP" sz="2800" dirty="0" smtClean="0"/>
+              <a:t>timestamp</a:t>
+            </a:r>
+            <a:r>
+              <a:rPr lang="ja-JP" altLang="en-US" sz="2800" dirty="0" smtClean="0"/>
+              <a:t>を抜き出したもの</a:t>
+            </a:r>
+            <a:r>
+              <a:rPr lang="en-US" altLang="ja-JP" sz="2800" dirty="0" smtClean="0"/>
+              <a:t/>
+            </a:r>
             <a:br>
               <a:rPr lang="en-US" altLang="ja-JP" sz="2800" dirty="0" smtClean="0"/>
             </a:br>
@@ -5383,8 +5506,16 @@
               <a:t>  data : </a:t>
             </a:r>
             <a:r>
+              <a:rPr lang="en-US" altLang="ja-JP" sz="2800" dirty="0" smtClean="0"/>
+              <a:t>VARCHAR </a:t>
+            </a:r>
+            <a:r>
               <a:rPr lang="ja-JP" altLang="en-US" sz="2800" dirty="0" smtClean="0"/>
-              <a:t>ログデータの</a:t>
+              <a:t>ログデータ</a:t>
+            </a:r>
+            <a:r>
+              <a:rPr lang="ja-JP" altLang="en-US" sz="2800" dirty="0" smtClean="0"/>
+              <a:t>の</a:t>
             </a:r>
             <a:r>
               <a:rPr lang="en-US" altLang="ja-JP" sz="2800" dirty="0" smtClean="0"/>
@@ -5392,42 +5523,11 @@
             </a:r>
             <a:r>
               <a:rPr lang="ja-JP" altLang="en-US" sz="2800" dirty="0" smtClean="0"/>
-              <a:t>を文字列化したもの</a:t>
-            </a:r>
-            <a:r>
-              <a:rPr lang="en-US" altLang="ja-JP" sz="2800" dirty="0" smtClean="0"/>
-              <a:t/>
-            </a:r>
-            <a:br>
-              <a:rPr lang="en-US" altLang="ja-JP" sz="2800" dirty="0" smtClean="0"/>
-            </a:br>
-            <a:r>
-              <a:rPr lang="ja-JP" altLang="en-US" sz="2800" dirty="0"/>
-              <a:t> </a:t>
+              <a:t>を文字列化した</a:t>
             </a:r>
             <a:r>
               <a:rPr lang="ja-JP" altLang="en-US" sz="2800" dirty="0" smtClean="0"/>
-              <a:t> </a:t>
-            </a:r>
-            <a:r>
-              <a:rPr lang="en-US" altLang="ja-JP" sz="2800" strike="sngStrike" dirty="0" err="1" smtClean="0"/>
-              <a:t>sendtime</a:t>
-            </a:r>
-            <a:r>
-              <a:rPr lang="en-US" altLang="ja-JP" sz="2800" strike="sngStrike" dirty="0" smtClean="0"/>
-              <a:t> : </a:t>
-            </a:r>
-            <a:r>
-              <a:rPr lang="ja-JP" altLang="en-US" sz="2800" strike="sngStrike" dirty="0" smtClean="0"/>
-              <a:t>ログデータが送られてきた</a:t>
-            </a:r>
-            <a:r>
-              <a:rPr lang="en-US" altLang="ja-JP" sz="2800" strike="sngStrike" dirty="0" smtClean="0"/>
-              <a:t>UNIX</a:t>
-            </a:r>
-            <a:r>
-              <a:rPr lang="ja-JP" altLang="en-US" sz="2800" strike="sngStrike" dirty="0" smtClean="0"/>
-              <a:t>時刻</a:t>
+              <a:t>もの</a:t>
             </a:r>
             <a:endParaRPr kumimoji="1" lang="ja-JP" altLang="en-US" sz="2800" strike="sngStrike" dirty="0"/>
           </a:p>

--- a/利用ログの形式.pptx
+++ b/利用ログの形式.pptx
@@ -114,7 +114,7 @@
   </p:defaultTextStyle>
   <p:extLst>
     <p:ext uri="{EFAFB233-063F-42B5-8137-9DF3F51BA10A}">
-      <p15:sldGuideLst xmlns:p15="http://schemas.microsoft.com/office/powerpoint/2012/main">
+      <p15:sldGuideLst xmlns:p15="http://schemas.microsoft.com/office/powerpoint/2012/main" xmlns="">
         <p15:guide id="1" orient="horz" pos="2160">
           <p15:clr>
             <a:srgbClr val="A4A3A4"/>
@@ -213,7 +213,7 @@
           <a:p>
             <a:fld id="{F364E872-068E-FF42-819D-F6AB146BF6BA}" type="datetimeFigureOut">
               <a:rPr kumimoji="1" lang="ja-JP" altLang="en-US" smtClean="0"/>
-              <a:t>2014/12/10</a:t>
+              <a:t>2014/12/20</a:t>
             </a:fld>
             <a:endParaRPr kumimoji="1" lang="ja-JP" altLang="en-US"/>
           </a:p>
@@ -728,7 +728,7 @@
           <a:p>
             <a:fld id="{242480C7-324A-4E5A-B3B7-E08DE76861B1}" type="datetimeFigureOut">
               <a:rPr kumimoji="1" lang="ja-JP" altLang="en-US" smtClean="0"/>
-              <a:t>2014/12/10</a:t>
+              <a:t>2014/12/20</a:t>
             </a:fld>
             <a:endParaRPr kumimoji="1" lang="ja-JP" altLang="en-US"/>
           </a:p>
@@ -930,7 +930,7 @@
           <a:p>
             <a:fld id="{242480C7-324A-4E5A-B3B7-E08DE76861B1}" type="datetimeFigureOut">
               <a:rPr kumimoji="1" lang="ja-JP" altLang="en-US" smtClean="0"/>
-              <a:t>2014/12/10</a:t>
+              <a:t>2014/12/20</a:t>
             </a:fld>
             <a:endParaRPr kumimoji="1" lang="ja-JP" altLang="en-US"/>
           </a:p>
@@ -1142,7 +1142,7 @@
           <a:p>
             <a:fld id="{242480C7-324A-4E5A-B3B7-E08DE76861B1}" type="datetimeFigureOut">
               <a:rPr kumimoji="1" lang="ja-JP" altLang="en-US" smtClean="0"/>
-              <a:t>2014/12/10</a:t>
+              <a:t>2014/12/20</a:t>
             </a:fld>
             <a:endParaRPr kumimoji="1" lang="ja-JP" altLang="en-US"/>
           </a:p>
@@ -1344,7 +1344,7 @@
           <a:p>
             <a:fld id="{242480C7-324A-4E5A-B3B7-E08DE76861B1}" type="datetimeFigureOut">
               <a:rPr kumimoji="1" lang="ja-JP" altLang="en-US" smtClean="0"/>
-              <a:t>2014/12/10</a:t>
+              <a:t>2014/12/20</a:t>
             </a:fld>
             <a:endParaRPr kumimoji="1" lang="ja-JP" altLang="en-US"/>
           </a:p>
@@ -1590,7 +1590,7 @@
           <a:p>
             <a:fld id="{242480C7-324A-4E5A-B3B7-E08DE76861B1}" type="datetimeFigureOut">
               <a:rPr kumimoji="1" lang="ja-JP" altLang="en-US" smtClean="0"/>
-              <a:t>2014/12/10</a:t>
+              <a:t>2014/12/20</a:t>
             </a:fld>
             <a:endParaRPr kumimoji="1" lang="ja-JP" altLang="en-US"/>
           </a:p>
@@ -1886,7 +1886,7 @@
           <a:p>
             <a:fld id="{242480C7-324A-4E5A-B3B7-E08DE76861B1}" type="datetimeFigureOut">
               <a:rPr kumimoji="1" lang="ja-JP" altLang="en-US" smtClean="0"/>
-              <a:t>2014/12/10</a:t>
+              <a:t>2014/12/20</a:t>
             </a:fld>
             <a:endParaRPr kumimoji="1" lang="ja-JP" altLang="en-US"/>
           </a:p>
@@ -2317,7 +2317,7 @@
           <a:p>
             <a:fld id="{242480C7-324A-4E5A-B3B7-E08DE76861B1}" type="datetimeFigureOut">
               <a:rPr kumimoji="1" lang="ja-JP" altLang="en-US" smtClean="0"/>
-              <a:t>2014/12/10</a:t>
+              <a:t>2014/12/20</a:t>
             </a:fld>
             <a:endParaRPr kumimoji="1" lang="ja-JP" altLang="en-US"/>
           </a:p>
@@ -2435,7 +2435,7 @@
           <a:p>
             <a:fld id="{242480C7-324A-4E5A-B3B7-E08DE76861B1}" type="datetimeFigureOut">
               <a:rPr kumimoji="1" lang="ja-JP" altLang="en-US" smtClean="0"/>
-              <a:t>2014/12/10</a:t>
+              <a:t>2014/12/20</a:t>
             </a:fld>
             <a:endParaRPr kumimoji="1" lang="ja-JP" altLang="en-US"/>
           </a:p>
@@ -2530,7 +2530,7 @@
           <a:p>
             <a:fld id="{242480C7-324A-4E5A-B3B7-E08DE76861B1}" type="datetimeFigureOut">
               <a:rPr kumimoji="1" lang="ja-JP" altLang="en-US" smtClean="0"/>
-              <a:t>2014/12/10</a:t>
+              <a:t>2014/12/20</a:t>
             </a:fld>
             <a:endParaRPr kumimoji="1" lang="ja-JP" altLang="en-US"/>
           </a:p>
@@ -2839,7 +2839,7 @@
           <a:p>
             <a:fld id="{242480C7-324A-4E5A-B3B7-E08DE76861B1}" type="datetimeFigureOut">
               <a:rPr kumimoji="1" lang="ja-JP" altLang="en-US" smtClean="0"/>
-              <a:t>2014/12/10</a:t>
+              <a:t>2014/12/20</a:t>
             </a:fld>
             <a:endParaRPr kumimoji="1" lang="ja-JP" altLang="en-US"/>
           </a:p>
@@ -3092,7 +3092,7 @@
           <a:p>
             <a:fld id="{242480C7-324A-4E5A-B3B7-E08DE76861B1}" type="datetimeFigureOut">
               <a:rPr kumimoji="1" lang="ja-JP" altLang="en-US" smtClean="0"/>
-              <a:t>2014/12/10</a:t>
+              <a:t>2014/12/20</a:t>
             </a:fld>
             <a:endParaRPr kumimoji="1" lang="ja-JP" altLang="en-US"/>
           </a:p>
@@ -3337,7 +3337,7 @@
           <a:p>
             <a:fld id="{242480C7-324A-4E5A-B3B7-E08DE76861B1}" type="datetimeFigureOut">
               <a:rPr kumimoji="1" lang="ja-JP" altLang="en-US" smtClean="0"/>
-              <a:t>2014/12/10</a:t>
+              <a:t>2014/12/20</a:t>
             </a:fld>
             <a:endParaRPr kumimoji="1" lang="ja-JP" altLang="en-US"/>
           </a:p>
@@ -3891,7 +3891,6 @@
               <a:rPr kumimoji="1" lang="en-US" altLang="ja-JP" sz="2800" dirty="0" smtClean="0"/>
               <a:t>Key : </a:t>
             </a:r>
-            <a:endParaRPr kumimoji="1" lang="en-US" altLang="ja-JP" sz="2800" dirty="0" smtClean="0"/>
           </a:p>
           <a:p>
             <a:r>
@@ -3903,11 +3902,7 @@
           <a:p>
             <a:r>
               <a:rPr kumimoji="1" lang="en-US" altLang="ja-JP" sz="2800" dirty="0" smtClean="0"/>
-              <a:t>Value </a:t>
-            </a:r>
-            <a:r>
-              <a:rPr kumimoji="1" lang="en-US" altLang="ja-JP" sz="2800" dirty="0" smtClean="0"/>
-              <a:t>: </a:t>
+              <a:t>Value : </a:t>
             </a:r>
             <a:r>
               <a:rPr lang="en-US" altLang="ja-JP" sz="2800" dirty="0"/>
@@ -4069,7 +4064,6 @@
               <a:rPr lang="en-US" altLang="ja-JP" sz="2800" dirty="0" smtClean="0"/>
               <a:t>&gt;,</a:t>
             </a:r>
-            <a:endParaRPr lang="en-US" altLang="ja-JP" sz="2800" dirty="0" smtClean="0"/>
           </a:p>
           <a:p>
             <a:r>
@@ -4382,7 +4376,7 @@
           <p:nvPr>
             <p:extLst>
               <p:ext uri="{D42A27DB-BD31-4B8C-83A1-F6EECF244321}">
-                <p14:modId xmlns:p14="http://schemas.microsoft.com/office/powerpoint/2010/main" val="1694774455"/>
+                <p14:modId xmlns:p14="http://schemas.microsoft.com/office/powerpoint/2010/main" val="1636008442"/>
               </p:ext>
             </p:extLst>
           </p:nvPr>
@@ -4642,16 +4636,21 @@
                     <a:p>
                       <a:r>
                         <a:rPr kumimoji="1" lang="en-US" altLang="ja-JP" sz="2400" dirty="0" err="1" smtClean="0"/>
-                        <a:t>posterid</a:t>
+                        <a:t>presenid</a:t>
+                      </a:r>
+                      <a:r>
+                        <a:rPr kumimoji="1" lang="en-US" altLang="ja-JP" sz="2400" dirty="0" smtClean="0"/>
+                        <a:t>:</a:t>
                       </a:r>
                       <a:r>
                         <a:rPr kumimoji="1" lang="ja-JP" altLang="en-US" sz="2400" dirty="0" smtClean="0"/>
-                        <a:t>ポスター</a:t>
+                        <a:t>発表</a:t>
                       </a:r>
                       <a:r>
                         <a:rPr kumimoji="1" lang="en-US" altLang="ja-JP" sz="2400" dirty="0" smtClean="0"/>
                         <a:t>ID, </a:t>
                       </a:r>
+                      <a:endParaRPr kumimoji="1" lang="en-US" altLang="ja-JP" sz="2400" dirty="0" smtClean="0"/>
                     </a:p>
                     <a:p>
                       <a:r>
@@ -4704,7 +4703,7 @@
                     <a:p>
                       <a:r>
                         <a:rPr kumimoji="1" lang="en-US" altLang="ja-JP" sz="2400" dirty="0" err="1" smtClean="0"/>
-                        <a:t>posterid</a:t>
+                        <a:t>presenid</a:t>
                       </a:r>
                       <a:r>
                         <a:rPr kumimoji="1" lang="en-US" altLang="ja-JP" sz="2400" dirty="0" smtClean="0"/>
@@ -4712,11 +4711,15 @@
                       </a:r>
                       <a:r>
                         <a:rPr kumimoji="1" lang="ja-JP" altLang="en-US" sz="2400" dirty="0" smtClean="0"/>
-                        <a:t>ポスター</a:t>
+                        <a:t>発表</a:t>
                       </a:r>
                       <a:r>
                         <a:rPr kumimoji="1" lang="en-US" altLang="ja-JP" sz="2400" dirty="0" smtClean="0"/>
-                        <a:t>ID, </a:t>
+                        <a:t>ID</a:t>
+                      </a:r>
+                      <a:r>
+                        <a:rPr kumimoji="1" lang="en-US" altLang="ja-JP" sz="2400" dirty="0" smtClean="0"/>
+                        <a:t>, </a:t>
                       </a:r>
                     </a:p>
                     <a:p>
@@ -4818,27 +4821,27 @@
                     <a:p>
                       <a:r>
                         <a:rPr kumimoji="1" lang="en-US" altLang="ja-JP" sz="2400" dirty="0" smtClean="0"/>
-                        <a:t>label</a:t>
+                        <a:t>label:</a:t>
+                      </a:r>
+                      <a:r>
+                        <a:rPr kumimoji="1" lang="ja-JP" altLang="en-US" sz="2400" dirty="0" smtClean="0"/>
+                        <a:t>切り替え先</a:t>
                       </a:r>
                       <a:r>
                         <a:rPr kumimoji="1" lang="en-US" altLang="ja-JP" sz="2400" dirty="0" smtClean="0"/>
-                        <a:t>:</a:t>
+                        <a:t>(</a:t>
+                      </a:r>
+                      <a:r>
+                        <a:rPr kumimoji="1" lang="en-US" altLang="ja-JP" sz="2400" dirty="0" err="1" smtClean="0"/>
+                        <a:t>presenid,title</a:t>
                       </a:r>
                       <a:r>
                         <a:rPr kumimoji="1" lang="ja-JP" altLang="en-US" sz="2400" dirty="0" smtClean="0"/>
-                        <a:t>切り替え先（</a:t>
+                        <a:t>など</a:t>
                       </a:r>
                       <a:r>
-                        <a:rPr kumimoji="1" lang="en-US" altLang="ja-JP" sz="2400" dirty="0" smtClean="0"/>
-                        <a:t>id, </a:t>
-                      </a:r>
-                      <a:r>
-                        <a:rPr kumimoji="1" lang="en-US" altLang="ja-JP" sz="2400" dirty="0" err="1" smtClean="0"/>
-                        <a:t>sessionid</a:t>
-                      </a:r>
-                      <a:r>
-                        <a:rPr kumimoji="1" lang="ja-JP" altLang="en-US" sz="2400" dirty="0" smtClean="0"/>
-                        <a:t>など）</a:t>
+                        <a:rPr kumimoji="1" lang="en-US" altLang="ja-JP" sz="2400" smtClean="0"/>
+                        <a:t>)</a:t>
                       </a:r>
                       <a:endParaRPr kumimoji="1" lang="ja-JP" altLang="en-US" sz="2400" dirty="0"/>
                     </a:p>
@@ -5264,7 +5267,6 @@
               <a:rPr lang="en-US" altLang="ja-JP" sz="2800" dirty="0" smtClean="0"/>
               <a:t>        ]</a:t>
             </a:r>
-            <a:endParaRPr lang="en-US" altLang="ja-JP" sz="2800" dirty="0" smtClean="0"/>
           </a:p>
           <a:p>
             <a:r>
@@ -5417,15 +5419,7 @@
             </a:r>
             <a:r>
               <a:rPr lang="en-US" altLang="ja-JP" sz="2800" dirty="0" smtClean="0"/>
-              <a:t>, </a:t>
-            </a:r>
-            <a:r>
-              <a:rPr lang="en-US" altLang="ja-JP" sz="2800" dirty="0" smtClean="0"/>
-              <a:t>timestamp, data</a:t>
-            </a:r>
-            <a:r>
-              <a:rPr lang="en-US" altLang="ja-JP" sz="2800" dirty="0" smtClean="0"/>
-              <a:t>)</a:t>
+              <a:t>, timestamp, data)</a:t>
             </a:r>
           </a:p>
           <a:p>
@@ -5503,19 +5497,11 @@
             </a:br>
             <a:r>
               <a:rPr lang="en-US" altLang="ja-JP" sz="2800" dirty="0" smtClean="0"/>
-              <a:t>  data : </a:t>
-            </a:r>
-            <a:r>
-              <a:rPr lang="en-US" altLang="ja-JP" sz="2800" dirty="0" smtClean="0"/>
-              <a:t>VARCHAR </a:t>
+              <a:t>  data : VARCHAR </a:t>
             </a:r>
             <a:r>
               <a:rPr lang="ja-JP" altLang="en-US" sz="2800" dirty="0" smtClean="0"/>
-              <a:t>ログデータ</a:t>
-            </a:r>
-            <a:r>
-              <a:rPr lang="ja-JP" altLang="en-US" sz="2800" dirty="0" smtClean="0"/>
-              <a:t>の</a:t>
+              <a:t>ログデータの</a:t>
             </a:r>
             <a:r>
               <a:rPr lang="en-US" altLang="ja-JP" sz="2800" dirty="0" smtClean="0"/>
@@ -5523,11 +5509,7 @@
             </a:r>
             <a:r>
               <a:rPr lang="ja-JP" altLang="en-US" sz="2800" dirty="0" smtClean="0"/>
-              <a:t>を文字列化した</a:t>
-            </a:r>
-            <a:r>
-              <a:rPr lang="ja-JP" altLang="en-US" sz="2800" dirty="0" smtClean="0"/>
-              <a:t>もの</a:t>
+              <a:t>を文字列化したもの</a:t>
             </a:r>
             <a:endParaRPr kumimoji="1" lang="ja-JP" altLang="en-US" sz="2800" strike="sngStrike" dirty="0"/>
           </a:p>
@@ -5801,7 +5783,7 @@
   <a:extraClrSchemeLst/>
   <a:extLst>
     <a:ext uri="{05A4C25C-085E-4340-85A3-A5531E510DB2}">
-      <thm15:themeFamily xmlns:thm15="http://schemas.microsoft.com/office/thememl/2012/main" name="Office Theme" id="{62F939B6-93AF-4DB8-9C6B-D6C7DFDC589F}" vid="{4A3C46E8-61CC-4603-A589-7422A47A8E4A}"/>
+      <thm15:themeFamily xmlns:thm15="http://schemas.microsoft.com/office/thememl/2012/main" xmlns="" name="Office Theme" id="{62F939B6-93AF-4DB8-9C6B-D6C7DFDC589F}" vid="{4A3C46E8-61CC-4603-A589-7422A47A8E4A}"/>
     </a:ext>
   </a:extLst>
 </a:theme>
